--- a/Semester 1 Presentation/presentation.pptx
+++ b/Semester 1 Presentation/presentation.pptx
@@ -5,21 +5,24 @@
     <p:sldMasterId id="2147483648" r:id="rId1"/>
   </p:sldMasterIdLst>
   <p:notesMasterIdLst>
-    <p:notesMasterId r:id="rId14"/>
+    <p:notesMasterId r:id="rId17"/>
   </p:notesMasterIdLst>
   <p:sldIdLst>
     <p:sldId id="256" r:id="rId2"/>
     <p:sldId id="272" r:id="rId3"/>
-    <p:sldId id="271" r:id="rId4"/>
-    <p:sldId id="273" r:id="rId5"/>
-    <p:sldId id="275" r:id="rId6"/>
-    <p:sldId id="276" r:id="rId7"/>
-    <p:sldId id="279" r:id="rId8"/>
-    <p:sldId id="277" r:id="rId9"/>
-    <p:sldId id="280" r:id="rId10"/>
-    <p:sldId id="268" r:id="rId11"/>
-    <p:sldId id="270" r:id="rId12"/>
-    <p:sldId id="278" r:id="rId13"/>
+    <p:sldId id="281" r:id="rId4"/>
+    <p:sldId id="271" r:id="rId5"/>
+    <p:sldId id="273" r:id="rId6"/>
+    <p:sldId id="282" r:id="rId7"/>
+    <p:sldId id="275" r:id="rId8"/>
+    <p:sldId id="276" r:id="rId9"/>
+    <p:sldId id="283" r:id="rId10"/>
+    <p:sldId id="279" r:id="rId11"/>
+    <p:sldId id="277" r:id="rId12"/>
+    <p:sldId id="280" r:id="rId13"/>
+    <p:sldId id="268" r:id="rId14"/>
+    <p:sldId id="270" r:id="rId15"/>
+    <p:sldId id="278" r:id="rId16"/>
   </p:sldIdLst>
   <p:sldSz cx="12192000" cy="6858000"/>
   <p:notesSz cx="6858000" cy="9144000"/>
@@ -208,7 +211,7 @@
           <a:p>
             <a:fld id="{D5D123B1-4E28-4CA6-A937-646E6B2B1E96}" type="datetimeFigureOut">
               <a:rPr lang="en-US" smtClean="0"/>
-              <a:t>10/30/19</a:t>
+              <a:t>11/4/19</a:t>
             </a:fld>
             <a:endParaRPr lang="en-US"/>
           </a:p>
@@ -519,45 +522,7 @@
           <a:bodyPr/>
           <a:lstStyle/>
           <a:p>
-            <a:r>
-              <a:rPr lang="en-US" dirty="0"/>
-              <a:t>To motivate the project, suppose we wish to solve some PDEs.</a:t>
-            </a:r>
-          </a:p>
-          <a:p>
-            <a:endParaRPr lang="en-US" dirty="0"/>
-          </a:p>
-          <a:p>
-            <a:r>
-              <a:rPr lang="en-US" dirty="0"/>
-              <a:t>Solving PDEs is hard.  But if we are lucky, we can transform it into an ODE, which is easier to solve. After obtaining the solution to the ODE, we can then use the inverse transform to turn it into the solution to the PDE.</a:t>
-            </a:r>
-          </a:p>
-          <a:p>
-            <a:endParaRPr lang="en-US" dirty="0"/>
-          </a:p>
-          <a:p>
-            <a:pPr marL="0" marR="0" lvl="0" indent="0" algn="l" defTabSz="914400" rtl="0" eaLnBrk="1" fontAlgn="auto" latinLnBrk="0" hangingPunct="1">
-              <a:lnSpc>
-                <a:spcPct val="100000"/>
-              </a:lnSpc>
-              <a:spcBef>
-                <a:spcPts val="0"/>
-              </a:spcBef>
-              <a:spcAft>
-                <a:spcPts val="0"/>
-              </a:spcAft>
-              <a:buClrTx/>
-              <a:buSzTx/>
-              <a:buFontTx/>
-              <a:buNone/>
-              <a:tabLst/>
-              <a:defRPr/>
-            </a:pPr>
-            <a:r>
-              <a:rPr lang="en-US" dirty="0"/>
-              <a:t>But most of the times we are not this lucky.</a:t>
-            </a:r>
+            <a:endParaRPr lang="en-US"/>
           </a:p>
         </p:txBody>
       </p:sp>
@@ -568,7 +533,7 @@
             <a:spLocks noGrp="1"/>
           </p:cNvSpPr>
           <p:nvPr>
-            <p:ph type="sldNum" sz="quarter" idx="5"/>
+            <p:ph type="sldNum" sz="quarter" idx="10"/>
           </p:nvPr>
         </p:nvSpPr>
         <p:spPr/>
@@ -578,7 +543,7 @@
           <a:p>
             <a:fld id="{C0AE9E3C-4D80-4F32-8BE5-275D74EA0A70}" type="slidenum">
               <a:rPr lang="en-US" smtClean="0"/>
-              <a:t>3</a:t>
+              <a:t>1</a:t>
             </a:fld>
             <a:endParaRPr lang="en-US"/>
           </a:p>
@@ -587,7 +552,7 @@
     </p:spTree>
     <p:extLst>
       <p:ext uri="{BB962C8B-B14F-4D97-AF65-F5344CB8AC3E}">
-        <p14:creationId xmlns:p14="http://schemas.microsoft.com/office/powerpoint/2010/main" val="563029741"/>
+        <p14:creationId xmlns:p14="http://schemas.microsoft.com/office/powerpoint/2010/main" val="1370467591"/>
       </p:ext>
     </p:extLst>
   </p:cSld>
@@ -700,7 +665,7 @@
           <a:p>
             <a:fld id="{C0AE9E3C-4D80-4F32-8BE5-275D74EA0A70}" type="slidenum">
               <a:rPr lang="en-US" smtClean="0"/>
-              <a:t>5</a:t>
+              <a:t>3</a:t>
             </a:fld>
             <a:endParaRPr lang="en-US"/>
           </a:p>
@@ -709,7 +674,7 @@
     </p:spTree>
     <p:extLst>
       <p:ext uri="{BB962C8B-B14F-4D97-AF65-F5344CB8AC3E}">
-        <p14:creationId xmlns:p14="http://schemas.microsoft.com/office/powerpoint/2010/main" val="2103320599"/>
+        <p14:creationId xmlns:p14="http://schemas.microsoft.com/office/powerpoint/2010/main" val="1789287854"/>
       </p:ext>
     </p:extLst>
   </p:cSld>
@@ -822,7 +787,7 @@
           <a:p>
             <a:fld id="{C0AE9E3C-4D80-4F32-8BE5-275D74EA0A70}" type="slidenum">
               <a:rPr lang="en-US" smtClean="0"/>
-              <a:t>7</a:t>
+              <a:t>4</a:t>
             </a:fld>
             <a:endParaRPr lang="en-US"/>
           </a:p>
@@ -831,7 +796,7 @@
     </p:spTree>
     <p:extLst>
       <p:ext uri="{BB962C8B-B14F-4D97-AF65-F5344CB8AC3E}">
-        <p14:creationId xmlns:p14="http://schemas.microsoft.com/office/powerpoint/2010/main" val="1028501828"/>
+        <p14:creationId xmlns:p14="http://schemas.microsoft.com/office/powerpoint/2010/main" val="563029741"/>
       </p:ext>
     </p:extLst>
   </p:cSld>
@@ -885,6 +850,24 @@
           <a:bodyPr/>
           <a:lstStyle/>
           <a:p>
+            <a:r>
+              <a:rPr lang="en-US" dirty="0"/>
+              <a:t>To motivate the project, suppose we wish to solve some PDEs.</a:t>
+            </a:r>
+          </a:p>
+          <a:p>
+            <a:endParaRPr lang="en-US" dirty="0"/>
+          </a:p>
+          <a:p>
+            <a:r>
+              <a:rPr lang="en-US" dirty="0"/>
+              <a:t>Solving PDEs is hard.  But if we are lucky, we can transform it into an ODE, which is easier to solve. After obtaining the solution to the ODE, we can then use the inverse transform to turn it into the solution to the PDE.</a:t>
+            </a:r>
+          </a:p>
+          <a:p>
+            <a:endParaRPr lang="en-US" dirty="0"/>
+          </a:p>
+          <a:p>
             <a:pPr marL="0" marR="0" lvl="0" indent="0" algn="l" defTabSz="914400" rtl="0" eaLnBrk="1" fontAlgn="auto" latinLnBrk="0" hangingPunct="1">
               <a:lnSpc>
                 <a:spcPct val="100000"/>
@@ -904,50 +887,7 @@
             </a:pPr>
             <a:r>
               <a:rPr lang="en-US" dirty="0"/>
-              <a:t>Build an integrator tailored to this type of problems that can provide…</a:t>
-            </a:r>
-          </a:p>
-          <a:p>
-            <a:pPr marL="0" marR="0" lvl="0" indent="0" algn="l" defTabSz="914400" rtl="0" eaLnBrk="1" fontAlgn="auto" latinLnBrk="0" hangingPunct="1">
-              <a:lnSpc>
-                <a:spcPct val="100000"/>
-              </a:lnSpc>
-              <a:spcBef>
-                <a:spcPts val="0"/>
-              </a:spcBef>
-              <a:spcAft>
-                <a:spcPts val="0"/>
-              </a:spcAft>
-              <a:buClrTx/>
-              <a:buSzTx/>
-              <a:buFontTx/>
-              <a:buNone/>
-              <a:tabLst/>
-              <a:defRPr/>
-            </a:pPr>
-            <a:endParaRPr lang="en-US" dirty="0"/>
-          </a:p>
-          <a:p>
-            <a:pPr marL="0" marR="0" lvl="0" indent="0" algn="l" defTabSz="914400" rtl="0" eaLnBrk="1" fontAlgn="auto" latinLnBrk="0" hangingPunct="1">
-              <a:lnSpc>
-                <a:spcPct val="100000"/>
-              </a:lnSpc>
-              <a:spcBef>
-                <a:spcPts val="0"/>
-              </a:spcBef>
-              <a:spcAft>
-                <a:spcPts val="0"/>
-              </a:spcAft>
-              <a:buClrTx/>
-              <a:buSzTx/>
-              <a:buFontTx/>
-              <a:buNone/>
-              <a:tabLst/>
-              <a:defRPr/>
-            </a:pPr>
-            <a:r>
-              <a:rPr lang="en-US" dirty="0"/>
-              <a:t>Solutions of PDEs usually involve infinite sums and integrals. Having accurate numerical descriptions for the solutions would be helpful in understanding and visualizing the solutions.</a:t>
+              <a:t>But most of the times we are not this lucky.</a:t>
             </a:r>
           </a:p>
         </p:txBody>
@@ -969,7 +909,7 @@
           <a:p>
             <a:fld id="{C0AE9E3C-4D80-4F32-8BE5-275D74EA0A70}" type="slidenum">
               <a:rPr lang="en-US" smtClean="0"/>
-              <a:t>9</a:t>
+              <a:t>6</a:t>
             </a:fld>
             <a:endParaRPr lang="en-US"/>
           </a:p>
@@ -978,7 +918,7 @@
     </p:spTree>
     <p:extLst>
       <p:ext uri="{BB962C8B-B14F-4D97-AF65-F5344CB8AC3E}">
-        <p14:creationId xmlns:p14="http://schemas.microsoft.com/office/powerpoint/2010/main" val="1551519245"/>
+        <p14:creationId xmlns:p14="http://schemas.microsoft.com/office/powerpoint/2010/main" val="711916810"/>
       </p:ext>
     </p:extLst>
   </p:cSld>
@@ -1032,6 +972,372 @@
           <a:bodyPr/>
           <a:lstStyle/>
           <a:p>
+            <a:r>
+              <a:rPr lang="en-US" dirty="0"/>
+              <a:t>To motivate the project, suppose we wish to solve some PDEs.</a:t>
+            </a:r>
+          </a:p>
+          <a:p>
+            <a:endParaRPr lang="en-US" dirty="0"/>
+          </a:p>
+          <a:p>
+            <a:r>
+              <a:rPr lang="en-US" dirty="0"/>
+              <a:t>Solving PDEs is hard.  But if we are lucky, we can transform it into an ODE, which is easier to solve. After obtaining the solution to the ODE, we can then use the inverse transform to turn it into the solution to the PDE.</a:t>
+            </a:r>
+          </a:p>
+          <a:p>
+            <a:endParaRPr lang="en-US" dirty="0"/>
+          </a:p>
+          <a:p>
+            <a:pPr marL="0" marR="0" lvl="0" indent="0" algn="l" defTabSz="914400" rtl="0" eaLnBrk="1" fontAlgn="auto" latinLnBrk="0" hangingPunct="1">
+              <a:lnSpc>
+                <a:spcPct val="100000"/>
+              </a:lnSpc>
+              <a:spcBef>
+                <a:spcPts val="0"/>
+              </a:spcBef>
+              <a:spcAft>
+                <a:spcPts val="0"/>
+              </a:spcAft>
+              <a:buClrTx/>
+              <a:buSzTx/>
+              <a:buFontTx/>
+              <a:buNone/>
+              <a:tabLst/>
+              <a:defRPr/>
+            </a:pPr>
+            <a:r>
+              <a:rPr lang="en-US" dirty="0"/>
+              <a:t>But most of the times we are not this lucky.</a:t>
+            </a:r>
+          </a:p>
+        </p:txBody>
+      </p:sp>
+      <p:sp>
+        <p:nvSpPr>
+          <p:cNvPr id="4" name="Slide Number Placeholder 3"/>
+          <p:cNvSpPr>
+            <a:spLocks noGrp="1"/>
+          </p:cNvSpPr>
+          <p:nvPr>
+            <p:ph type="sldNum" sz="quarter" idx="5"/>
+          </p:nvPr>
+        </p:nvSpPr>
+        <p:spPr/>
+        <p:txBody>
+          <a:bodyPr/>
+          <a:lstStyle/>
+          <a:p>
+            <a:fld id="{C0AE9E3C-4D80-4F32-8BE5-275D74EA0A70}" type="slidenum">
+              <a:rPr lang="en-US" smtClean="0"/>
+              <a:t>7</a:t>
+            </a:fld>
+            <a:endParaRPr lang="en-US"/>
+          </a:p>
+        </p:txBody>
+      </p:sp>
+    </p:spTree>
+    <p:extLst>
+      <p:ext uri="{BB962C8B-B14F-4D97-AF65-F5344CB8AC3E}">
+        <p14:creationId xmlns:p14="http://schemas.microsoft.com/office/powerpoint/2010/main" val="2103320599"/>
+      </p:ext>
+    </p:extLst>
+  </p:cSld>
+  <p:clrMapOvr>
+    <a:masterClrMapping/>
+  </p:clrMapOvr>
+</p:notes>
+</file>
+
+<file path=ppt/notesSlides/notesSlide6.xml><?xml version="1.0" encoding="utf-8"?>
+<p:notes xmlns:a="http://schemas.openxmlformats.org/drawingml/2006/main" xmlns:r="http://schemas.openxmlformats.org/officeDocument/2006/relationships" xmlns:p="http://schemas.openxmlformats.org/presentationml/2006/main">
+  <p:cSld>
+    <p:spTree>
+      <p:nvGrpSpPr>
+        <p:cNvPr id="1" name=""/>
+        <p:cNvGrpSpPr/>
+        <p:nvPr/>
+      </p:nvGrpSpPr>
+      <p:grpSpPr>
+        <a:xfrm>
+          <a:off x="0" y="0"/>
+          <a:ext cx="0" cy="0"/>
+          <a:chOff x="0" y="0"/>
+          <a:chExt cx="0" cy="0"/>
+        </a:xfrm>
+      </p:grpSpPr>
+      <p:sp>
+        <p:nvSpPr>
+          <p:cNvPr id="2" name="Slide Image Placeholder 1"/>
+          <p:cNvSpPr>
+            <a:spLocks noGrp="1" noRot="1" noChangeAspect="1"/>
+          </p:cNvSpPr>
+          <p:nvPr>
+            <p:ph type="sldImg"/>
+          </p:nvPr>
+        </p:nvSpPr>
+        <p:spPr/>
+      </p:sp>
+      <p:sp>
+        <p:nvSpPr>
+          <p:cNvPr id="3" name="Notes Placeholder 2"/>
+          <p:cNvSpPr>
+            <a:spLocks noGrp="1"/>
+          </p:cNvSpPr>
+          <p:nvPr>
+            <p:ph type="body" idx="1"/>
+          </p:nvPr>
+        </p:nvSpPr>
+        <p:spPr/>
+        <p:txBody>
+          <a:bodyPr/>
+          <a:lstStyle/>
+          <a:p>
+            <a:r>
+              <a:rPr lang="en-US" dirty="0"/>
+              <a:t>To motivate the project, suppose we wish to solve some PDEs.</a:t>
+            </a:r>
+          </a:p>
+          <a:p>
+            <a:endParaRPr lang="en-US" dirty="0"/>
+          </a:p>
+          <a:p>
+            <a:r>
+              <a:rPr lang="en-US" dirty="0"/>
+              <a:t>Solving PDEs is hard.  But if we are lucky, we can transform it into an ODE, which is easier to solve. After obtaining the solution to the ODE, we can then use the inverse transform to turn it into the solution to the PDE.</a:t>
+            </a:r>
+          </a:p>
+          <a:p>
+            <a:endParaRPr lang="en-US" dirty="0"/>
+          </a:p>
+          <a:p>
+            <a:pPr marL="0" marR="0" lvl="0" indent="0" algn="l" defTabSz="914400" rtl="0" eaLnBrk="1" fontAlgn="auto" latinLnBrk="0" hangingPunct="1">
+              <a:lnSpc>
+                <a:spcPct val="100000"/>
+              </a:lnSpc>
+              <a:spcBef>
+                <a:spcPts val="0"/>
+              </a:spcBef>
+              <a:spcAft>
+                <a:spcPts val="0"/>
+              </a:spcAft>
+              <a:buClrTx/>
+              <a:buSzTx/>
+              <a:buFontTx/>
+              <a:buNone/>
+              <a:tabLst/>
+              <a:defRPr/>
+            </a:pPr>
+            <a:r>
+              <a:rPr lang="en-US" dirty="0"/>
+              <a:t>But most of the times we are not this lucky.</a:t>
+            </a:r>
+          </a:p>
+        </p:txBody>
+      </p:sp>
+      <p:sp>
+        <p:nvSpPr>
+          <p:cNvPr id="4" name="Slide Number Placeholder 3"/>
+          <p:cNvSpPr>
+            <a:spLocks noGrp="1"/>
+          </p:cNvSpPr>
+          <p:nvPr>
+            <p:ph type="sldNum" sz="quarter" idx="5"/>
+          </p:nvPr>
+        </p:nvSpPr>
+        <p:spPr/>
+        <p:txBody>
+          <a:bodyPr/>
+          <a:lstStyle/>
+          <a:p>
+            <a:fld id="{C0AE9E3C-4D80-4F32-8BE5-275D74EA0A70}" type="slidenum">
+              <a:rPr lang="en-US" smtClean="0"/>
+              <a:t>9</a:t>
+            </a:fld>
+            <a:endParaRPr lang="en-US"/>
+          </a:p>
+        </p:txBody>
+      </p:sp>
+    </p:spTree>
+    <p:extLst>
+      <p:ext uri="{BB962C8B-B14F-4D97-AF65-F5344CB8AC3E}">
+        <p14:creationId xmlns:p14="http://schemas.microsoft.com/office/powerpoint/2010/main" val="1280137020"/>
+      </p:ext>
+    </p:extLst>
+  </p:cSld>
+  <p:clrMapOvr>
+    <a:masterClrMapping/>
+  </p:clrMapOvr>
+</p:notes>
+</file>
+
+<file path=ppt/notesSlides/notesSlide7.xml><?xml version="1.0" encoding="utf-8"?>
+<p:notes xmlns:a="http://schemas.openxmlformats.org/drawingml/2006/main" xmlns:r="http://schemas.openxmlformats.org/officeDocument/2006/relationships" xmlns:p="http://schemas.openxmlformats.org/presentationml/2006/main">
+  <p:cSld>
+    <p:spTree>
+      <p:nvGrpSpPr>
+        <p:cNvPr id="1" name=""/>
+        <p:cNvGrpSpPr/>
+        <p:nvPr/>
+      </p:nvGrpSpPr>
+      <p:grpSpPr>
+        <a:xfrm>
+          <a:off x="0" y="0"/>
+          <a:ext cx="0" cy="0"/>
+          <a:chOff x="0" y="0"/>
+          <a:chExt cx="0" cy="0"/>
+        </a:xfrm>
+      </p:grpSpPr>
+      <p:sp>
+        <p:nvSpPr>
+          <p:cNvPr id="2" name="Slide Image Placeholder 1"/>
+          <p:cNvSpPr>
+            <a:spLocks noGrp="1" noRot="1" noChangeAspect="1"/>
+          </p:cNvSpPr>
+          <p:nvPr>
+            <p:ph type="sldImg"/>
+          </p:nvPr>
+        </p:nvSpPr>
+        <p:spPr/>
+      </p:sp>
+      <p:sp>
+        <p:nvSpPr>
+          <p:cNvPr id="3" name="Notes Placeholder 2"/>
+          <p:cNvSpPr>
+            <a:spLocks noGrp="1"/>
+          </p:cNvSpPr>
+          <p:nvPr>
+            <p:ph type="body" idx="1"/>
+          </p:nvPr>
+        </p:nvSpPr>
+        <p:spPr/>
+        <p:txBody>
+          <a:bodyPr/>
+          <a:lstStyle/>
+          <a:p>
+            <a:r>
+              <a:rPr lang="en-US" dirty="0"/>
+              <a:t>To motivate the project, suppose we wish to solve some PDEs.</a:t>
+            </a:r>
+          </a:p>
+          <a:p>
+            <a:endParaRPr lang="en-US" dirty="0"/>
+          </a:p>
+          <a:p>
+            <a:r>
+              <a:rPr lang="en-US" dirty="0"/>
+              <a:t>Solving PDEs is hard.  But if we are lucky, we can transform it into an ODE, which is easier to solve. After obtaining the solution to the ODE, we can then use the inverse transform to turn it into the solution to the PDE.</a:t>
+            </a:r>
+          </a:p>
+          <a:p>
+            <a:endParaRPr lang="en-US" dirty="0"/>
+          </a:p>
+          <a:p>
+            <a:pPr marL="0" marR="0" lvl="0" indent="0" algn="l" defTabSz="914400" rtl="0" eaLnBrk="1" fontAlgn="auto" latinLnBrk="0" hangingPunct="1">
+              <a:lnSpc>
+                <a:spcPct val="100000"/>
+              </a:lnSpc>
+              <a:spcBef>
+                <a:spcPts val="0"/>
+              </a:spcBef>
+              <a:spcAft>
+                <a:spcPts val="0"/>
+              </a:spcAft>
+              <a:buClrTx/>
+              <a:buSzTx/>
+              <a:buFontTx/>
+              <a:buNone/>
+              <a:tabLst/>
+              <a:defRPr/>
+            </a:pPr>
+            <a:r>
+              <a:rPr lang="en-US" dirty="0"/>
+              <a:t>But most of the times we are not this lucky.</a:t>
+            </a:r>
+          </a:p>
+        </p:txBody>
+      </p:sp>
+      <p:sp>
+        <p:nvSpPr>
+          <p:cNvPr id="4" name="Slide Number Placeholder 3"/>
+          <p:cNvSpPr>
+            <a:spLocks noGrp="1"/>
+          </p:cNvSpPr>
+          <p:nvPr>
+            <p:ph type="sldNum" sz="quarter" idx="5"/>
+          </p:nvPr>
+        </p:nvSpPr>
+        <p:spPr/>
+        <p:txBody>
+          <a:bodyPr/>
+          <a:lstStyle/>
+          <a:p>
+            <a:fld id="{C0AE9E3C-4D80-4F32-8BE5-275D74EA0A70}" type="slidenum">
+              <a:rPr lang="en-US" smtClean="0"/>
+              <a:t>10</a:t>
+            </a:fld>
+            <a:endParaRPr lang="en-US"/>
+          </a:p>
+        </p:txBody>
+      </p:sp>
+    </p:spTree>
+    <p:extLst>
+      <p:ext uri="{BB962C8B-B14F-4D97-AF65-F5344CB8AC3E}">
+        <p14:creationId xmlns:p14="http://schemas.microsoft.com/office/powerpoint/2010/main" val="1028501828"/>
+      </p:ext>
+    </p:extLst>
+  </p:cSld>
+  <p:clrMapOvr>
+    <a:masterClrMapping/>
+  </p:clrMapOvr>
+</p:notes>
+</file>
+
+<file path=ppt/notesSlides/notesSlide8.xml><?xml version="1.0" encoding="utf-8"?>
+<p:notes xmlns:a="http://schemas.openxmlformats.org/drawingml/2006/main" xmlns:r="http://schemas.openxmlformats.org/officeDocument/2006/relationships" xmlns:p="http://schemas.openxmlformats.org/presentationml/2006/main">
+  <p:cSld>
+    <p:spTree>
+      <p:nvGrpSpPr>
+        <p:cNvPr id="1" name=""/>
+        <p:cNvGrpSpPr/>
+        <p:nvPr/>
+      </p:nvGrpSpPr>
+      <p:grpSpPr>
+        <a:xfrm>
+          <a:off x="0" y="0"/>
+          <a:ext cx="0" cy="0"/>
+          <a:chOff x="0" y="0"/>
+          <a:chExt cx="0" cy="0"/>
+        </a:xfrm>
+      </p:grpSpPr>
+      <p:sp>
+        <p:nvSpPr>
+          <p:cNvPr id="2" name="Slide Image Placeholder 1"/>
+          <p:cNvSpPr>
+            <a:spLocks noGrp="1" noRot="1" noChangeAspect="1"/>
+          </p:cNvSpPr>
+          <p:nvPr>
+            <p:ph type="sldImg"/>
+          </p:nvPr>
+        </p:nvSpPr>
+        <p:spPr/>
+      </p:sp>
+      <p:sp>
+        <p:nvSpPr>
+          <p:cNvPr id="3" name="Notes Placeholder 2"/>
+          <p:cNvSpPr>
+            <a:spLocks noGrp="1"/>
+          </p:cNvSpPr>
+          <p:nvPr>
+            <p:ph type="body" idx="1"/>
+          </p:nvPr>
+        </p:nvSpPr>
+        <p:spPr/>
+        <p:txBody>
+          <a:bodyPr/>
+          <a:lstStyle/>
+          <a:p>
             <a:pPr marL="0" marR="0" lvl="0" indent="0" algn="l" defTabSz="914400" rtl="0" eaLnBrk="1" fontAlgn="auto" latinLnBrk="0" hangingPunct="1">
               <a:lnSpc>
                 <a:spcPct val="100000"/>
@@ -1116,7 +1422,154 @@
           <a:p>
             <a:fld id="{C0AE9E3C-4D80-4F32-8BE5-275D74EA0A70}" type="slidenum">
               <a:rPr lang="en-US" smtClean="0"/>
-              <a:t>10</a:t>
+              <a:t>12</a:t>
+            </a:fld>
+            <a:endParaRPr lang="en-US"/>
+          </a:p>
+        </p:txBody>
+      </p:sp>
+    </p:spTree>
+    <p:extLst>
+      <p:ext uri="{BB962C8B-B14F-4D97-AF65-F5344CB8AC3E}">
+        <p14:creationId xmlns:p14="http://schemas.microsoft.com/office/powerpoint/2010/main" val="1551519245"/>
+      </p:ext>
+    </p:extLst>
+  </p:cSld>
+  <p:clrMapOvr>
+    <a:masterClrMapping/>
+  </p:clrMapOvr>
+</p:notes>
+</file>
+
+<file path=ppt/notesSlides/notesSlide9.xml><?xml version="1.0" encoding="utf-8"?>
+<p:notes xmlns:a="http://schemas.openxmlformats.org/drawingml/2006/main" xmlns:r="http://schemas.openxmlformats.org/officeDocument/2006/relationships" xmlns:p="http://schemas.openxmlformats.org/presentationml/2006/main">
+  <p:cSld>
+    <p:spTree>
+      <p:nvGrpSpPr>
+        <p:cNvPr id="1" name=""/>
+        <p:cNvGrpSpPr/>
+        <p:nvPr/>
+      </p:nvGrpSpPr>
+      <p:grpSpPr>
+        <a:xfrm>
+          <a:off x="0" y="0"/>
+          <a:ext cx="0" cy="0"/>
+          <a:chOff x="0" y="0"/>
+          <a:chExt cx="0" cy="0"/>
+        </a:xfrm>
+      </p:grpSpPr>
+      <p:sp>
+        <p:nvSpPr>
+          <p:cNvPr id="2" name="Slide Image Placeholder 1"/>
+          <p:cNvSpPr>
+            <a:spLocks noGrp="1" noRot="1" noChangeAspect="1"/>
+          </p:cNvSpPr>
+          <p:nvPr>
+            <p:ph type="sldImg"/>
+          </p:nvPr>
+        </p:nvSpPr>
+        <p:spPr/>
+      </p:sp>
+      <p:sp>
+        <p:nvSpPr>
+          <p:cNvPr id="3" name="Notes Placeholder 2"/>
+          <p:cNvSpPr>
+            <a:spLocks noGrp="1"/>
+          </p:cNvSpPr>
+          <p:nvPr>
+            <p:ph type="body" idx="1"/>
+          </p:nvPr>
+        </p:nvSpPr>
+        <p:spPr/>
+        <p:txBody>
+          <a:bodyPr/>
+          <a:lstStyle/>
+          <a:p>
+            <a:pPr marL="0" marR="0" lvl="0" indent="0" algn="l" defTabSz="914400" rtl="0" eaLnBrk="1" fontAlgn="auto" latinLnBrk="0" hangingPunct="1">
+              <a:lnSpc>
+                <a:spcPct val="100000"/>
+              </a:lnSpc>
+              <a:spcBef>
+                <a:spcPts val="0"/>
+              </a:spcBef>
+              <a:spcAft>
+                <a:spcPts val="0"/>
+              </a:spcAft>
+              <a:buClrTx/>
+              <a:buSzTx/>
+              <a:buFontTx/>
+              <a:buNone/>
+              <a:tabLst/>
+              <a:defRPr/>
+            </a:pPr>
+            <a:r>
+              <a:rPr lang="en-US" dirty="0"/>
+              <a:t>Build an integrator tailored to this type of problems that can provide…</a:t>
+            </a:r>
+          </a:p>
+          <a:p>
+            <a:pPr marL="0" marR="0" lvl="0" indent="0" algn="l" defTabSz="914400" rtl="0" eaLnBrk="1" fontAlgn="auto" latinLnBrk="0" hangingPunct="1">
+              <a:lnSpc>
+                <a:spcPct val="100000"/>
+              </a:lnSpc>
+              <a:spcBef>
+                <a:spcPts val="0"/>
+              </a:spcBef>
+              <a:spcAft>
+                <a:spcPts val="0"/>
+              </a:spcAft>
+              <a:buClrTx/>
+              <a:buSzTx/>
+              <a:buFontTx/>
+              <a:buNone/>
+              <a:tabLst/>
+              <a:defRPr/>
+            </a:pPr>
+            <a:endParaRPr lang="en-US" dirty="0"/>
+          </a:p>
+          <a:p>
+            <a:pPr marL="0" marR="0" lvl="0" indent="0" algn="l" defTabSz="914400" rtl="0" eaLnBrk="1" fontAlgn="auto" latinLnBrk="0" hangingPunct="1">
+              <a:lnSpc>
+                <a:spcPct val="100000"/>
+              </a:lnSpc>
+              <a:spcBef>
+                <a:spcPts val="0"/>
+              </a:spcBef>
+              <a:spcAft>
+                <a:spcPts val="0"/>
+              </a:spcAft>
+              <a:buClrTx/>
+              <a:buSzTx/>
+              <a:buFontTx/>
+              <a:buNone/>
+              <a:tabLst/>
+              <a:defRPr/>
+            </a:pPr>
+            <a:r>
+              <a:rPr lang="en-US" dirty="0"/>
+              <a:t>Solutions of PDEs usually involve infinite sums and integrals. Having accurate numerical descriptions for the solutions would be helpful in understanding and visualizing the solutions.</a:t>
+            </a:r>
+          </a:p>
+        </p:txBody>
+      </p:sp>
+      <p:sp>
+        <p:nvSpPr>
+          <p:cNvPr id="4" name="Slide Number Placeholder 3"/>
+          <p:cNvSpPr>
+            <a:spLocks noGrp="1"/>
+          </p:cNvSpPr>
+          <p:nvPr>
+            <p:ph type="sldNum" sz="quarter" idx="5"/>
+          </p:nvPr>
+        </p:nvSpPr>
+        <p:spPr/>
+        <p:txBody>
+          <a:bodyPr/>
+          <a:lstStyle/>
+          <a:p>
+            <a:fld id="{C0AE9E3C-4D80-4F32-8BE5-275D74EA0A70}" type="slidenum">
+              <a:rPr lang="en-US" smtClean="0"/>
+              <a:t>13</a:t>
             </a:fld>
             <a:endParaRPr lang="en-US"/>
           </a:p>
@@ -1280,9 +1733,9 @@
           <a:bodyPr/>
           <a:lstStyle/>
           <a:p>
-            <a:fld id="{743D5B1A-E5B9-41B2-A4A4-BC15EE566FEB}" type="datetime1">
-              <a:rPr lang="en-US" smtClean="0"/>
-              <a:t>10/30/19</a:t>
+            <a:fld id="{3783A31F-6F1C-7A42-A93E-C71A4FFEAB2C}" type="datetime1">
+              <a:rPr lang="en-SG" smtClean="0"/>
+              <a:t>4/11/19</a:t>
             </a:fld>
             <a:endParaRPr lang="en-US"/>
           </a:p>
@@ -1478,9 +1931,9 @@
           <a:bodyPr/>
           <a:lstStyle/>
           <a:p>
-            <a:fld id="{96850174-28E0-4A7F-9A7F-1D3666E9A7E5}" type="datetime1">
-              <a:rPr lang="en-US" smtClean="0"/>
-              <a:t>10/30/19</a:t>
+            <a:fld id="{DB13DD30-0A72-884E-9157-05DE860AAD6F}" type="datetime1">
+              <a:rPr lang="en-SG" smtClean="0"/>
+              <a:t>4/11/19</a:t>
             </a:fld>
             <a:endParaRPr lang="en-US"/>
           </a:p>
@@ -1686,9 +2139,9 @@
           <a:bodyPr/>
           <a:lstStyle/>
           <a:p>
-            <a:fld id="{06C3B4AE-98D8-467E-B13B-BA07FD493EF0}" type="datetime1">
-              <a:rPr lang="en-US" smtClean="0"/>
-              <a:t>10/30/19</a:t>
+            <a:fld id="{D71420C0-B380-9347-814E-B6557F4216CA}" type="datetime1">
+              <a:rPr lang="en-SG" smtClean="0"/>
+              <a:t>4/11/19</a:t>
             </a:fld>
             <a:endParaRPr lang="en-US"/>
           </a:p>
@@ -1903,9 +2356,9 @@
           <a:bodyPr/>
           <a:lstStyle/>
           <a:p>
-            <a:fld id="{2E8C54B8-8BAA-472C-810E-6899C25BB322}" type="datetime1">
-              <a:rPr lang="en-US" smtClean="0"/>
-              <a:t>10/30/19</a:t>
+            <a:fld id="{71D6CC63-280D-4043-9C64-5446AB203850}" type="datetime1">
+              <a:rPr lang="en-SG" smtClean="0"/>
+              <a:t>4/11/19</a:t>
             </a:fld>
             <a:endParaRPr lang="en-US"/>
           </a:p>
@@ -2178,9 +2631,9 @@
           <a:bodyPr/>
           <a:lstStyle/>
           <a:p>
-            <a:fld id="{CC0D8F71-0E54-4C2D-878F-974D77493300}" type="datetime1">
-              <a:rPr lang="en-US" smtClean="0"/>
-              <a:t>10/30/19</a:t>
+            <a:fld id="{DA61C866-63F4-3A42-8E15-E18C9B39BA8D}" type="datetime1">
+              <a:rPr lang="en-SG" smtClean="0"/>
+              <a:t>4/11/19</a:t>
             </a:fld>
             <a:endParaRPr lang="en-US"/>
           </a:p>
@@ -2443,9 +2896,9 @@
           <a:bodyPr/>
           <a:lstStyle/>
           <a:p>
-            <a:fld id="{03B724D8-50C5-4155-93C4-91B7560F528B}" type="datetime1">
-              <a:rPr lang="en-US" smtClean="0"/>
-              <a:t>10/30/19</a:t>
+            <a:fld id="{9A12C75E-C15F-2F41-8D43-700890D01471}" type="datetime1">
+              <a:rPr lang="en-SG" smtClean="0"/>
+              <a:t>4/11/19</a:t>
             </a:fld>
             <a:endParaRPr lang="en-US"/>
           </a:p>
@@ -2855,9 +3308,9 @@
           <a:bodyPr/>
           <a:lstStyle/>
           <a:p>
-            <a:fld id="{D349CC33-BA31-4C58-BC94-66A1D63C8B76}" type="datetime1">
-              <a:rPr lang="en-US" smtClean="0"/>
-              <a:t>10/30/19</a:t>
+            <a:fld id="{F35A0181-A6F2-3348-842E-96242A028A9B}" type="datetime1">
+              <a:rPr lang="en-SG" smtClean="0"/>
+              <a:t>4/11/19</a:t>
             </a:fld>
             <a:endParaRPr lang="en-US"/>
           </a:p>
@@ -2996,9 +3449,9 @@
           <a:bodyPr/>
           <a:lstStyle/>
           <a:p>
-            <a:fld id="{EA0D023E-CC73-4DDA-A566-0E148E9E0CA2}" type="datetime1">
-              <a:rPr lang="en-US" smtClean="0"/>
-              <a:t>10/30/19</a:t>
+            <a:fld id="{EE99CCDD-5E0A-1B4E-AB6B-E7BA80F722E1}" type="datetime1">
+              <a:rPr lang="en-SG" smtClean="0"/>
+              <a:t>4/11/19</a:t>
             </a:fld>
             <a:endParaRPr lang="en-US"/>
           </a:p>
@@ -3109,9 +3562,9 @@
           <a:bodyPr/>
           <a:lstStyle/>
           <a:p>
-            <a:fld id="{0BB7F487-1AB1-462C-9F23-505E165EB2E2}" type="datetime1">
-              <a:rPr lang="en-US" smtClean="0"/>
-              <a:t>10/30/19</a:t>
+            <a:fld id="{0538D010-9305-5545-8C0C-1809A86E7A92}" type="datetime1">
+              <a:rPr lang="en-SG" smtClean="0"/>
+              <a:t>4/11/19</a:t>
             </a:fld>
             <a:endParaRPr lang="en-US"/>
           </a:p>
@@ -3420,9 +3873,9 @@
           <a:bodyPr/>
           <a:lstStyle/>
           <a:p>
-            <a:fld id="{BB79D818-7B31-4B18-9D61-17C981FE4C8D}" type="datetime1">
-              <a:rPr lang="en-US" smtClean="0"/>
-              <a:t>10/30/19</a:t>
+            <a:fld id="{7C739A16-C597-E248-810D-AE214545A0B9}" type="datetime1">
+              <a:rPr lang="en-SG" smtClean="0"/>
+              <a:t>4/11/19</a:t>
             </a:fld>
             <a:endParaRPr lang="en-US"/>
           </a:p>
@@ -3708,9 +4161,9 @@
           <a:bodyPr/>
           <a:lstStyle/>
           <a:p>
-            <a:fld id="{31D16347-A1A3-40FD-A0AF-D3C5B64BCF98}" type="datetime1">
-              <a:rPr lang="en-US" smtClean="0"/>
-              <a:t>10/30/19</a:t>
+            <a:fld id="{733BDBDD-5DF2-D54E-ADB6-61E48993671F}" type="datetime1">
+              <a:rPr lang="en-SG" smtClean="0"/>
+              <a:t>4/11/19</a:t>
             </a:fld>
             <a:endParaRPr lang="en-US"/>
           </a:p>
@@ -3949,9 +4402,9 @@
             </a:lvl1pPr>
           </a:lstStyle>
           <a:p>
-            <a:fld id="{4690E525-EBCB-416D-B630-9C89D51ABD08}" type="datetime1">
-              <a:rPr lang="en-US" smtClean="0"/>
-              <a:t>10/30/19</a:t>
+            <a:fld id="{3DA0BFF7-D419-4849-83EB-FE970E44E0DC}" type="datetime1">
+              <a:rPr lang="en-SG" smtClean="0"/>
+              <a:t>4/11/19</a:t>
             </a:fld>
             <a:endParaRPr lang="en-US"/>
           </a:p>
@@ -4435,12 +4888,12 @@
         <p:spPr/>
         <p:txBody>
           <a:bodyPr>
-            <a:normAutofit lnSpcReduction="10000"/>
+            <a:noAutofit/>
           </a:bodyPr>
           <a:lstStyle/>
           <a:p>
             <a:r>
-              <a:rPr lang="en-US" dirty="0" smtClean="0">
+              <a:rPr lang="en-US" sz="2300" dirty="0" smtClean="0">
                 <a:solidFill>
                   <a:schemeClr val="bg1">
                     <a:lumMod val="50000"/>
@@ -4450,7 +4903,7 @@
               <a:t>Sultan AITZHAN, </a:t>
             </a:r>
             <a:r>
-              <a:rPr lang="en-US" dirty="0">
+              <a:rPr lang="en-US" sz="2300" dirty="0">
                 <a:solidFill>
                   <a:schemeClr val="bg1">
                     <a:lumMod val="50000"/>
@@ -4462,27 +4915,17 @@
           </a:p>
           <a:p>
             <a:r>
-              <a:rPr lang="en-US" dirty="0">
+              <a:rPr lang="en-US" sz="2300" dirty="0">
                 <a:solidFill>
                   <a:schemeClr val="bg1">
                     <a:lumMod val="50000"/>
                   </a:schemeClr>
                 </a:solidFill>
               </a:rPr>
-              <a:t>Supervisor: Prof. </a:t>
-            </a:r>
-            <a:r>
-              <a:rPr lang="en-US" dirty="0" smtClean="0">
-                <a:solidFill>
-                  <a:schemeClr val="bg1">
-                    <a:lumMod val="50000"/>
-                  </a:schemeClr>
-                </a:solidFill>
-              </a:rPr>
-              <a:t>Katie </a:t>
-            </a:r>
-            <a:r>
-              <a:rPr lang="en-US" dirty="0" err="1" smtClean="0">
+              <a:t>Supervisor: Prof. Katie </a:t>
+            </a:r>
+            <a:r>
+              <a:rPr lang="en-US" sz="2300" dirty="0" err="1" smtClean="0">
                 <a:solidFill>
                   <a:schemeClr val="bg1">
                     <a:lumMod val="50000"/>
@@ -4491,7 +4934,7 @@
               </a:rPr>
               <a:t>Oliveras</a:t>
             </a:r>
-            <a:endParaRPr lang="en-US" dirty="0" smtClean="0">
+            <a:endParaRPr lang="en-US" sz="2300" dirty="0" smtClean="0">
               <a:solidFill>
                 <a:schemeClr val="bg1">
                   <a:lumMod val="50000"/>
@@ -4501,45 +4944,38 @@
           </a:p>
           <a:p>
             <a:r>
-              <a:rPr lang="en-US" dirty="0" smtClean="0">
+              <a:rPr lang="en-US" sz="2300" dirty="0" smtClean="0">
                 <a:solidFill>
                   <a:schemeClr val="bg1">
                     <a:lumMod val="50000"/>
                   </a:schemeClr>
                 </a:solidFill>
               </a:rPr>
-              <a:t>Co-Supervisor: Prof. Dave Smith</a:t>
-            </a:r>
-            <a:endParaRPr lang="en-US" dirty="0">
-              <a:solidFill>
-                <a:schemeClr val="bg1">
-                  <a:lumMod val="50000"/>
-                </a:schemeClr>
-              </a:solidFill>
-            </a:endParaRPr>
-          </a:p>
-          <a:p>
-            <a:r>
-              <a:rPr lang="en-US" dirty="0" smtClean="0">
+              <a:t>Co-Supervisor</a:t>
+            </a:r>
+            <a:r>
+              <a:rPr lang="en-US" sz="2300" dirty="0">
                 <a:solidFill>
                   <a:schemeClr val="bg1">
                     <a:lumMod val="50000"/>
                   </a:schemeClr>
                 </a:solidFill>
               </a:rPr>
-              <a:t>Nov 6</a:t>
-            </a:r>
-            <a:r>
-              <a:rPr lang="en-US" dirty="0" smtClean="0">
+              <a:t>: Prof. Dave Smith</a:t>
+            </a:r>
+          </a:p>
+          <a:p>
+            <a:r>
+              <a:rPr lang="en-US" sz="2300" dirty="0" smtClean="0">
                 <a:solidFill>
                   <a:schemeClr val="bg1">
                     <a:lumMod val="50000"/>
                   </a:schemeClr>
                 </a:solidFill>
               </a:rPr>
-              <a:t>, 2019</a:t>
-            </a:r>
-            <a:endParaRPr lang="en-US" dirty="0">
+              <a:t>Nov 6, 2019</a:t>
+            </a:r>
+            <a:endParaRPr lang="en-US" sz="2300" dirty="0">
               <a:solidFill>
                 <a:schemeClr val="bg1">
                   <a:lumMod val="50000"/>
@@ -4621,10 +5057,10 @@
       </p:grpSpPr>
       <p:sp>
         <p:nvSpPr>
-          <p:cNvPr id="2" name="Title 1">
+          <p:cNvPr id="4" name="Slide Number Placeholder 3">
             <a:extLst>
               <a:ext uri="{FF2B5EF4-FFF2-40B4-BE49-F238E27FC236}">
-                <a16:creationId xmlns:a16="http://schemas.microsoft.com/office/drawing/2014/main" xmlns="" id="{2EB59BB1-CD0A-4244-8DEF-DD3CD08C78A2}"/>
+                <a16:creationId xmlns:a16="http://schemas.microsoft.com/office/drawing/2014/main" xmlns="" id="{8597B9A3-768C-4924-A2AC-93EBE490577E}"/>
               </a:ext>
             </a:extLst>
           </p:cNvPr>
@@ -4632,7 +5068,7 @@
             <a:spLocks noGrp="1"/>
           </p:cNvSpPr>
           <p:nvPr>
-            <p:ph type="title"/>
+            <p:ph type="sldNum" sz="quarter" idx="12"/>
           </p:nvPr>
         </p:nvSpPr>
         <p:spPr/>
@@ -4641,142 +5077,311 @@
           <a:lstStyle/>
           <a:p>
             <a:r>
-              <a:rPr lang="en-US" dirty="0"/>
-              <a:t>Capstone outline</a:t>
-            </a:r>
-          </a:p>
-        </p:txBody>
-      </p:sp>
-      <p:sp>
-        <p:nvSpPr>
-          <p:cNvPr id="3" name="Content Placeholder 2">
-            <a:extLst>
-              <a:ext uri="{FF2B5EF4-FFF2-40B4-BE49-F238E27FC236}">
-                <a16:creationId xmlns:a16="http://schemas.microsoft.com/office/drawing/2014/main" xmlns="" id="{D215A1B0-7E78-4C4C-AF67-5ACD0A22475E}"/>
-              </a:ext>
-            </a:extLst>
-          </p:cNvPr>
-          <p:cNvSpPr>
-            <a:spLocks noGrp="1"/>
-          </p:cNvSpPr>
-          <p:nvPr>
-            <p:ph idx="1"/>
-          </p:nvPr>
-        </p:nvSpPr>
-        <p:spPr/>
-        <p:txBody>
-          <a:bodyPr/>
-          <a:lstStyle/>
-          <a:p>
-            <a:r>
-              <a:rPr lang="en-US" b="1" dirty="0" smtClean="0"/>
-              <a:t>G</a:t>
-            </a:r>
-            <a:r>
-              <a:rPr lang="en-US" b="1" dirty="0" smtClean="0"/>
-              <a:t>oal 1:</a:t>
-            </a:r>
-            <a:r>
               <a:rPr lang="en-US" dirty="0" smtClean="0"/>
-              <a:t> </a:t>
-            </a:r>
-            <a:r>
-              <a:rPr lang="en-US" b="1" dirty="0" smtClean="0"/>
-              <a:t>Derive wave and </a:t>
-            </a:r>
-            <a:r>
-              <a:rPr lang="en-US" b="1" dirty="0" err="1" smtClean="0"/>
-              <a:t>KdV</a:t>
-            </a:r>
-            <a:r>
-              <a:rPr lang="en-US" b="1" dirty="0" smtClean="0"/>
-              <a:t> equations on a half-line in the velocity potential </a:t>
-            </a:r>
-            <a:r>
-              <a:rPr lang="en-US" dirty="0" smtClean="0"/>
-              <a:t>and provide the necessary conditions for this derivation. </a:t>
+              <a:t>7/12</a:t>
             </a:r>
             <a:endParaRPr lang="en-US" dirty="0"/>
           </a:p>
-          <a:p>
-            <a:r>
-              <a:rPr lang="en-US" b="1" dirty="0" smtClean="0"/>
-              <a:t>Goal 2: Derive wave and </a:t>
-            </a:r>
-            <a:r>
-              <a:rPr lang="en-US" b="1" dirty="0" err="1" smtClean="0"/>
-              <a:t>KdV</a:t>
-            </a:r>
-            <a:r>
-              <a:rPr lang="en-US" b="1" dirty="0" smtClean="0"/>
-              <a:t> equations on the whole and </a:t>
-            </a:r>
-            <a:r>
-              <a:rPr lang="en-US" b="1" dirty="0" smtClean="0"/>
-              <a:t>half-line in the non-local formulation</a:t>
-            </a:r>
-            <a:r>
-              <a:rPr lang="en-US" dirty="0" smtClean="0"/>
-              <a:t>.</a:t>
-            </a:r>
-          </a:p>
-          <a:p>
-            <a:r>
-              <a:rPr lang="en-US" b="1" dirty="0" smtClean="0"/>
-              <a:t>Goal 3: </a:t>
-            </a:r>
-            <a:r>
-              <a:rPr lang="en-US" dirty="0" smtClean="0"/>
-              <a:t>Depending on results, </a:t>
-            </a:r>
-            <a:r>
-              <a:rPr lang="en-US" b="1" dirty="0" smtClean="0"/>
-              <a:t>examine the utility and potential applications of results</a:t>
-            </a:r>
-            <a:r>
-              <a:rPr lang="en-US" dirty="0" smtClean="0"/>
-              <a:t>, in the form of an exploration.</a:t>
-            </a:r>
-            <a:endParaRPr lang="en-US" b="1" dirty="0"/>
-          </a:p>
-        </p:txBody>
-      </p:sp>
-      <p:sp>
-        <p:nvSpPr>
-          <p:cNvPr id="4" name="Slide Number Placeholder 3">
-            <a:extLst>
-              <a:ext uri="{FF2B5EF4-FFF2-40B4-BE49-F238E27FC236}">
-                <a16:creationId xmlns:a16="http://schemas.microsoft.com/office/drawing/2014/main" xmlns="" id="{202DAD29-2EF5-43DD-9D0C-CBCC8F564E13}"/>
-              </a:ext>
-            </a:extLst>
-          </p:cNvPr>
-          <p:cNvSpPr>
-            <a:spLocks noGrp="1"/>
-          </p:cNvSpPr>
-          <p:nvPr>
-            <p:ph type="sldNum" sz="quarter" idx="12"/>
-          </p:nvPr>
-        </p:nvSpPr>
-        <p:spPr/>
-        <p:txBody>
-          <a:bodyPr/>
-          <a:lstStyle/>
-          <a:p>
-            <a:fld id="{F3332EFC-B9C2-4EF3-A733-16B7EBFB30C8}" type="slidenum">
-              <a:rPr lang="en-US" smtClean="0"/>
-              <a:t>10</a:t>
-            </a:fld>
-            <a:r>
-              <a:rPr lang="en-US" dirty="0"/>
-              <a:t>/12</a:t>
-            </a:r>
-          </a:p>
-        </p:txBody>
-      </p:sp>
+        </p:txBody>
+      </p:sp>
+      <mc:AlternateContent xmlns:mc="http://schemas.openxmlformats.org/markup-compatibility/2006" xmlns:a14="http://schemas.microsoft.com/office/drawing/2010/main">
+        <mc:Choice Requires="a14">
+          <p:sp>
+            <p:nvSpPr>
+              <p:cNvPr id="10" name="TextBox 9"/>
+              <p:cNvSpPr txBox="1"/>
+              <p:nvPr/>
+            </p:nvSpPr>
+            <p:spPr>
+              <a:xfrm>
+                <a:off x="902524" y="334085"/>
+                <a:ext cx="10790711" cy="2308324"/>
+              </a:xfrm>
+              <a:prstGeom prst="rect">
+                <a:avLst/>
+              </a:prstGeom>
+              <a:noFill/>
+            </p:spPr>
+            <p:txBody>
+              <a:bodyPr wrap="square" rtlCol="0">
+                <a:spAutoFit/>
+              </a:bodyPr>
+              <a:lstStyle/>
+              <a:p>
+                <a:r>
+                  <a:rPr lang="en-US" sz="2400" dirty="0" smtClean="0"/>
+                  <a:t>In the lowest power of </a:t>
+                </a:r>
+                <a14:m>
+                  <m:oMath xmlns:m="http://schemas.openxmlformats.org/officeDocument/2006/math">
+                    <m:r>
+                      <a:rPr lang="en-US" sz="2400" b="0" i="1" smtClean="0">
+                        <a:latin typeface="Cambria Math" charset="0"/>
+                      </a:rPr>
+                      <m:t>𝜖</m:t>
+                    </m:r>
+                  </m:oMath>
+                </a14:m>
+                <a:r>
+                  <a:rPr lang="en-US" dirty="0" smtClean="0"/>
+                  <a:t>, </a:t>
+                </a:r>
+                <a:r>
+                  <a:rPr lang="en-US" sz="2400" dirty="0" smtClean="0"/>
+                  <a:t>we get the following two equations:</a:t>
+                </a:r>
+              </a:p>
+              <a:p>
+                <a:endParaRPr lang="en-US" sz="2400" dirty="0"/>
+              </a:p>
+              <a:p>
+                <a:endParaRPr lang="en-US" sz="2400" dirty="0" smtClean="0"/>
+              </a:p>
+              <a:p>
+                <a:endParaRPr lang="en-US" sz="2400" dirty="0"/>
+              </a:p>
+              <a:p>
+                <a:endParaRPr lang="en-US" sz="2400" dirty="0" smtClean="0"/>
+              </a:p>
+              <a:p>
+                <a:r>
+                  <a:rPr lang="en-US" sz="2400" dirty="0" smtClean="0"/>
+                  <a:t>which are </a:t>
+                </a:r>
+                <a:r>
+                  <a:rPr lang="en-US" sz="2400" b="1" dirty="0" smtClean="0"/>
+                  <a:t>wave equations </a:t>
+                </a:r>
+                <a:r>
+                  <a:rPr lang="en-US" sz="2400" dirty="0" smtClean="0"/>
+                  <a:t>with velocity 1</a:t>
+                </a:r>
+                <a:r>
+                  <a:rPr lang="en-US" sz="2400" dirty="0"/>
+                  <a:t>.</a:t>
+                </a:r>
+                <a:endParaRPr lang="en-US" dirty="0" smtClean="0"/>
+              </a:p>
+            </p:txBody>
+          </p:sp>
+        </mc:Choice>
+        <mc:Fallback xmlns="">
+          <p:sp>
+            <p:nvSpPr>
+              <p:cNvPr id="10" name="TextBox 9"/>
+              <p:cNvSpPr txBox="1">
+                <a:spLocks noRot="1" noChangeAspect="1" noMove="1" noResize="1" noEditPoints="1" noAdjustHandles="1" noChangeArrowheads="1" noChangeShapeType="1" noTextEdit="1"/>
+              </p:cNvSpPr>
+              <p:nvPr/>
+            </p:nvSpPr>
+            <p:spPr>
+              <a:xfrm>
+                <a:off x="902524" y="334085"/>
+                <a:ext cx="10790711" cy="2308324"/>
+              </a:xfrm>
+              <a:prstGeom prst="rect">
+                <a:avLst/>
+              </a:prstGeom>
+              <a:blipFill rotWithShape="0">
+                <a:blip r:embed="rId3"/>
+                <a:stretch>
+                  <a:fillRect l="-847" t="-2116" b="-5291"/>
+                </a:stretch>
+              </a:blipFill>
+            </p:spPr>
+            <p:txBody>
+              <a:bodyPr/>
+              <a:lstStyle/>
+              <a:p>
+                <a:r>
+                  <a:rPr lang="en-US">
+                    <a:noFill/>
+                  </a:rPr>
+                  <a:t> </a:t>
+                </a:r>
+              </a:p>
+            </p:txBody>
+          </p:sp>
+        </mc:Fallback>
+      </mc:AlternateContent>
+      <p:pic>
+        <p:nvPicPr>
+          <p:cNvPr id="3" name="Picture 2"/>
+          <p:cNvPicPr>
+            <a:picLocks noChangeAspect="1"/>
+          </p:cNvPicPr>
+          <p:nvPr/>
+        </p:nvPicPr>
+        <p:blipFill>
+          <a:blip r:embed="rId4">
+            <a:extLst>
+              <a:ext uri="{28A0092B-C50C-407E-A947-70E740481C1C}">
+                <a14:useLocalDpi xmlns:a14="http://schemas.microsoft.com/office/drawing/2010/main" val="0"/>
+              </a:ext>
+            </a:extLst>
+          </a:blip>
+          <a:stretch>
+            <a:fillRect/>
+          </a:stretch>
+        </p:blipFill>
+        <p:spPr>
+          <a:xfrm>
+            <a:off x="4404302" y="750534"/>
+            <a:ext cx="2976418" cy="1502170"/>
+          </a:xfrm>
+          <a:prstGeom prst="rect">
+            <a:avLst/>
+          </a:prstGeom>
+        </p:spPr>
+      </p:pic>
+      <mc:AlternateContent xmlns:mc="http://schemas.openxmlformats.org/markup-compatibility/2006" xmlns:a14="http://schemas.microsoft.com/office/drawing/2010/main">
+        <mc:Choice Requires="a14">
+          <p:sp>
+            <p:nvSpPr>
+              <p:cNvPr id="7" name="TextBox 6"/>
+              <p:cNvSpPr txBox="1"/>
+              <p:nvPr/>
+            </p:nvSpPr>
+            <p:spPr>
+              <a:xfrm>
+                <a:off x="925796" y="3295779"/>
+                <a:ext cx="9602565" cy="461665"/>
+              </a:xfrm>
+              <a:prstGeom prst="rect">
+                <a:avLst/>
+              </a:prstGeom>
+              <a:noFill/>
+            </p:spPr>
+            <p:txBody>
+              <a:bodyPr wrap="none" rtlCol="0">
+                <a:spAutoFit/>
+              </a:bodyPr>
+              <a:lstStyle/>
+              <a:p>
+                <a:r>
+                  <a:rPr lang="en-US" sz="2400" dirty="0" smtClean="0"/>
+                  <a:t>In the next power of </a:t>
+                </a:r>
+                <a14:m>
+                  <m:oMath xmlns:m="http://schemas.openxmlformats.org/officeDocument/2006/math">
+                    <m:r>
+                      <a:rPr lang="en-US" sz="2400" b="0" i="1" smtClean="0">
+                        <a:latin typeface="Cambria Math" charset="0"/>
+                      </a:rPr>
+                      <m:t>𝜖</m:t>
+                    </m:r>
+                  </m:oMath>
+                </a14:m>
+                <a:r>
+                  <a:rPr lang="en-US" sz="2400" dirty="0" smtClean="0"/>
+                  <a:t>, we obtain two </a:t>
+                </a:r>
+                <a:r>
+                  <a:rPr lang="en-US" sz="2400" b="1" dirty="0" err="1" smtClean="0"/>
+                  <a:t>Korteweg</a:t>
+                </a:r>
+                <a:r>
+                  <a:rPr lang="en-US" sz="2400" b="1" dirty="0" smtClean="0"/>
+                  <a:t> de </a:t>
+                </a:r>
+                <a:r>
+                  <a:rPr lang="en-US" sz="2400" b="1" dirty="0" err="1" smtClean="0"/>
+                  <a:t>Vries</a:t>
+                </a:r>
+                <a:r>
+                  <a:rPr lang="en-US" sz="2400" b="1" dirty="0" smtClean="0"/>
+                  <a:t> (</a:t>
+                </a:r>
+                <a:r>
+                  <a:rPr lang="en-US" sz="2400" b="1" dirty="0" err="1" smtClean="0"/>
+                  <a:t>KdV</a:t>
+                </a:r>
+                <a:r>
+                  <a:rPr lang="en-US" sz="2400" b="1" dirty="0" smtClean="0"/>
+                  <a:t>) equations</a:t>
+                </a:r>
+                <a:r>
+                  <a:rPr lang="en-US" sz="2400" dirty="0" smtClean="0"/>
+                  <a:t>:  </a:t>
+                </a:r>
+                <a:endParaRPr lang="en-US" sz="2400" dirty="0"/>
+              </a:p>
+            </p:txBody>
+          </p:sp>
+        </mc:Choice>
+        <mc:Fallback xmlns="">
+          <p:sp>
+            <p:nvSpPr>
+              <p:cNvPr id="7" name="TextBox 6"/>
+              <p:cNvSpPr txBox="1">
+                <a:spLocks noRot="1" noChangeAspect="1" noMove="1" noResize="1" noEditPoints="1" noAdjustHandles="1" noChangeArrowheads="1" noChangeShapeType="1" noTextEdit="1"/>
+              </p:cNvSpPr>
+              <p:nvPr/>
+            </p:nvSpPr>
+            <p:spPr>
+              <a:xfrm>
+                <a:off x="925796" y="3295779"/>
+                <a:ext cx="9602565" cy="461665"/>
+              </a:xfrm>
+              <a:prstGeom prst="rect">
+                <a:avLst/>
+              </a:prstGeom>
+              <a:blipFill rotWithShape="0">
+                <a:blip r:embed="rId5"/>
+                <a:stretch>
+                  <a:fillRect l="-1016" t="-10667" b="-30667"/>
+                </a:stretch>
+              </a:blipFill>
+            </p:spPr>
+            <p:txBody>
+              <a:bodyPr/>
+              <a:lstStyle/>
+              <a:p>
+                <a:r>
+                  <a:rPr lang="en-US">
+                    <a:noFill/>
+                  </a:rPr>
+                  <a:t> </a:t>
+                </a:r>
+              </a:p>
+            </p:txBody>
+          </p:sp>
+        </mc:Fallback>
+      </mc:AlternateContent>
+      <p:pic>
+        <p:nvPicPr>
+          <p:cNvPr id="12" name="Picture 11"/>
+          <p:cNvPicPr>
+            <a:picLocks noChangeAspect="1"/>
+          </p:cNvPicPr>
+          <p:nvPr/>
+        </p:nvPicPr>
+        <p:blipFill>
+          <a:blip r:embed="rId6">
+            <a:extLst>
+              <a:ext uri="{28A0092B-C50C-407E-A947-70E740481C1C}">
+                <a14:useLocalDpi xmlns:a14="http://schemas.microsoft.com/office/drawing/2010/main" val="0"/>
+              </a:ext>
+            </a:extLst>
+          </a:blip>
+          <a:stretch>
+            <a:fillRect/>
+          </a:stretch>
+        </p:blipFill>
+        <p:spPr>
+          <a:xfrm>
+            <a:off x="4193019" y="3866983"/>
+            <a:ext cx="3398981" cy="1566023"/>
+          </a:xfrm>
+          <a:prstGeom prst="rect">
+            <a:avLst/>
+          </a:prstGeom>
+        </p:spPr>
+      </p:pic>
     </p:spTree>
     <p:extLst>
       <p:ext uri="{BB962C8B-B14F-4D97-AF65-F5344CB8AC3E}">
-        <p14:creationId xmlns:p14="http://schemas.microsoft.com/office/powerpoint/2010/main" val="1363476497"/>
+        <p14:creationId xmlns:p14="http://schemas.microsoft.com/office/powerpoint/2010/main" val="2136300803"/>
       </p:ext>
     </p:extLst>
   </p:cSld>
@@ -4815,6 +5420,686 @@
           <p:cNvPr id="2" name="Title 1">
             <a:extLst>
               <a:ext uri="{FF2B5EF4-FFF2-40B4-BE49-F238E27FC236}">
+                <a16:creationId xmlns:a16="http://schemas.microsoft.com/office/drawing/2014/main" xmlns="" id="{9A63FF76-6E01-4F14-B5E8-BCE699FDC948}"/>
+              </a:ext>
+            </a:extLst>
+          </p:cNvPr>
+          <p:cNvSpPr>
+            <a:spLocks noGrp="1"/>
+          </p:cNvSpPr>
+          <p:nvPr>
+            <p:ph type="ctrTitle"/>
+          </p:nvPr>
+        </p:nvSpPr>
+        <p:spPr/>
+        <p:txBody>
+          <a:bodyPr>
+            <a:noAutofit/>
+          </a:bodyPr>
+          <a:lstStyle/>
+          <a:p>
+            <a:r>
+              <a:rPr lang="en-US" sz="4400" dirty="0"/>
+              <a:t> </a:t>
+            </a:r>
+            <a:r>
+              <a:rPr lang="en-US" sz="4400" dirty="0">
+                <a:solidFill>
+                  <a:schemeClr val="bg1">
+                    <a:lumMod val="50000"/>
+                  </a:schemeClr>
+                </a:solidFill>
+              </a:rPr>
+              <a:t>Approximate expansions for </a:t>
+            </a:r>
+            <a:r>
+              <a:rPr lang="en-US" sz="4400" dirty="0" smtClean="0">
+                <a:solidFill>
+                  <a:schemeClr val="bg1">
+                    <a:lumMod val="50000"/>
+                  </a:schemeClr>
+                </a:solidFill>
+              </a:rPr>
+              <a:t>wave and </a:t>
+            </a:r>
+            <a:r>
+              <a:rPr lang="en-US" sz="4400" dirty="0" err="1">
+                <a:solidFill>
+                  <a:schemeClr val="bg1">
+                    <a:lumMod val="50000"/>
+                  </a:schemeClr>
+                </a:solidFill>
+              </a:rPr>
+              <a:t>KdV</a:t>
+            </a:r>
+            <a:r>
+              <a:rPr lang="en-US" sz="4400" dirty="0">
+                <a:solidFill>
+                  <a:schemeClr val="bg1">
+                    <a:lumMod val="50000"/>
+                  </a:schemeClr>
+                </a:solidFill>
+              </a:rPr>
+              <a:t> equations via the velocity potential and </a:t>
+            </a:r>
+            <a:r>
+              <a:rPr lang="en-US" sz="4400" dirty="0"/>
+              <a:t>non-local </a:t>
+            </a:r>
+            <a:r>
+              <a:rPr lang="en-US" sz="4400" dirty="0" smtClean="0"/>
+              <a:t>formulations</a:t>
+            </a:r>
+            <a:endParaRPr lang="en-US" sz="4400" dirty="0"/>
+          </a:p>
+        </p:txBody>
+      </p:sp>
+      <p:sp>
+        <p:nvSpPr>
+          <p:cNvPr id="3" name="Subtitle 2">
+            <a:extLst>
+              <a:ext uri="{FF2B5EF4-FFF2-40B4-BE49-F238E27FC236}">
+                <a16:creationId xmlns:a16="http://schemas.microsoft.com/office/drawing/2014/main" xmlns="" id="{76D6B4C6-BC50-4772-B971-02A14CBA2F37}"/>
+              </a:ext>
+            </a:extLst>
+          </p:cNvPr>
+          <p:cNvSpPr>
+            <a:spLocks noGrp="1"/>
+          </p:cNvSpPr>
+          <p:nvPr>
+            <p:ph type="subTitle" idx="1"/>
+          </p:nvPr>
+        </p:nvSpPr>
+        <p:spPr/>
+        <p:txBody>
+          <a:bodyPr>
+            <a:normAutofit lnSpcReduction="10000"/>
+          </a:bodyPr>
+          <a:lstStyle/>
+          <a:p>
+            <a:r>
+              <a:rPr lang="en-US" dirty="0" smtClean="0">
+                <a:solidFill>
+                  <a:schemeClr val="bg1">
+                    <a:lumMod val="50000"/>
+                  </a:schemeClr>
+                </a:solidFill>
+              </a:rPr>
+              <a:t>Sultan AITZHAN, </a:t>
+            </a:r>
+            <a:r>
+              <a:rPr lang="en-US" dirty="0">
+                <a:solidFill>
+                  <a:schemeClr val="bg1">
+                    <a:lumMod val="50000"/>
+                  </a:schemeClr>
+                </a:solidFill>
+              </a:rPr>
+              <a:t>Yale-NUS College</a:t>
+            </a:r>
+          </a:p>
+          <a:p>
+            <a:r>
+              <a:rPr lang="en-US" dirty="0">
+                <a:solidFill>
+                  <a:schemeClr val="bg1">
+                    <a:lumMod val="50000"/>
+                  </a:schemeClr>
+                </a:solidFill>
+              </a:rPr>
+              <a:t>Supervisor: Prof. </a:t>
+            </a:r>
+            <a:r>
+              <a:rPr lang="en-US" dirty="0" smtClean="0">
+                <a:solidFill>
+                  <a:schemeClr val="bg1">
+                    <a:lumMod val="50000"/>
+                  </a:schemeClr>
+                </a:solidFill>
+              </a:rPr>
+              <a:t>Katie </a:t>
+            </a:r>
+            <a:r>
+              <a:rPr lang="en-US" dirty="0" err="1" smtClean="0">
+                <a:solidFill>
+                  <a:schemeClr val="bg1">
+                    <a:lumMod val="50000"/>
+                  </a:schemeClr>
+                </a:solidFill>
+              </a:rPr>
+              <a:t>Oliveras</a:t>
+            </a:r>
+            <a:endParaRPr lang="en-US" dirty="0" smtClean="0">
+              <a:solidFill>
+                <a:schemeClr val="bg1">
+                  <a:lumMod val="50000"/>
+                </a:schemeClr>
+              </a:solidFill>
+            </a:endParaRPr>
+          </a:p>
+          <a:p>
+            <a:r>
+              <a:rPr lang="en-US" dirty="0" smtClean="0">
+                <a:solidFill>
+                  <a:schemeClr val="bg1">
+                    <a:lumMod val="50000"/>
+                  </a:schemeClr>
+                </a:solidFill>
+              </a:rPr>
+              <a:t>Co-Supervisor: Prof. Dave Smith</a:t>
+            </a:r>
+            <a:endParaRPr lang="en-US" dirty="0">
+              <a:solidFill>
+                <a:schemeClr val="bg1">
+                  <a:lumMod val="50000"/>
+                </a:schemeClr>
+              </a:solidFill>
+            </a:endParaRPr>
+          </a:p>
+          <a:p>
+            <a:r>
+              <a:rPr lang="en-US" dirty="0" smtClean="0">
+                <a:solidFill>
+                  <a:schemeClr val="bg1">
+                    <a:lumMod val="50000"/>
+                  </a:schemeClr>
+                </a:solidFill>
+              </a:rPr>
+              <a:t>Nov 6, 2019</a:t>
+            </a:r>
+            <a:endParaRPr lang="en-US" dirty="0">
+              <a:solidFill>
+                <a:schemeClr val="bg1">
+                  <a:lumMod val="50000"/>
+                </a:schemeClr>
+              </a:solidFill>
+            </a:endParaRPr>
+          </a:p>
+        </p:txBody>
+      </p:sp>
+      <p:sp>
+        <p:nvSpPr>
+          <p:cNvPr id="4" name="Slide Number Placeholder 3">
+            <a:extLst>
+              <a:ext uri="{FF2B5EF4-FFF2-40B4-BE49-F238E27FC236}">
+                <a16:creationId xmlns:a16="http://schemas.microsoft.com/office/drawing/2014/main" xmlns="" id="{4944FC19-3050-4B71-977A-DAA6F37AB0DF}"/>
+              </a:ext>
+            </a:extLst>
+          </p:cNvPr>
+          <p:cNvSpPr>
+            <a:spLocks noGrp="1"/>
+          </p:cNvSpPr>
+          <p:nvPr>
+            <p:ph type="sldNum" sz="quarter" idx="12"/>
+          </p:nvPr>
+        </p:nvSpPr>
+        <p:spPr/>
+        <p:txBody>
+          <a:bodyPr/>
+          <a:lstStyle/>
+          <a:p>
+            <a:r>
+              <a:rPr lang="en-US" dirty="0" smtClean="0"/>
+              <a:t>8/12</a:t>
+            </a:r>
+            <a:endParaRPr lang="en-US" dirty="0"/>
+          </a:p>
+        </p:txBody>
+      </p:sp>
+    </p:spTree>
+    <p:extLst>
+      <p:ext uri="{BB962C8B-B14F-4D97-AF65-F5344CB8AC3E}">
+        <p14:creationId xmlns:p14="http://schemas.microsoft.com/office/powerpoint/2010/main" val="804214777"/>
+      </p:ext>
+    </p:extLst>
+  </p:cSld>
+  <p:clrMapOvr>
+    <a:masterClrMapping/>
+  </p:clrMapOvr>
+  <p:timing>
+    <p:tnLst>
+      <p:par>
+        <p:cTn id="1" dur="indefinite" restart="never" nodeType="tmRoot"/>
+      </p:par>
+    </p:tnLst>
+  </p:timing>
+</p:sld>
+</file>
+
+<file path=ppt/slides/slide12.xml><?xml version="1.0" encoding="utf-8"?>
+<p:sld xmlns:a="http://schemas.openxmlformats.org/drawingml/2006/main" xmlns:r="http://schemas.openxmlformats.org/officeDocument/2006/relationships" xmlns:p="http://schemas.openxmlformats.org/presentationml/2006/main">
+  <p:cSld>
+    <p:spTree>
+      <p:nvGrpSpPr>
+        <p:cNvPr id="1" name=""/>
+        <p:cNvGrpSpPr/>
+        <p:nvPr/>
+      </p:nvGrpSpPr>
+      <p:grpSpPr>
+        <a:xfrm>
+          <a:off x="0" y="0"/>
+          <a:ext cx="0" cy="0"/>
+          <a:chOff x="0" y="0"/>
+          <a:chExt cx="0" cy="0"/>
+        </a:xfrm>
+      </p:grpSpPr>
+      <p:sp>
+        <p:nvSpPr>
+          <p:cNvPr id="2" name="Title 1">
+            <a:extLst>
+              <a:ext uri="{FF2B5EF4-FFF2-40B4-BE49-F238E27FC236}">
+                <a16:creationId xmlns:a16="http://schemas.microsoft.com/office/drawing/2014/main" xmlns="" id="{2EB59BB1-CD0A-4244-8DEF-DD3CD08C78A2}"/>
+              </a:ext>
+            </a:extLst>
+          </p:cNvPr>
+          <p:cNvSpPr>
+            <a:spLocks noGrp="1"/>
+          </p:cNvSpPr>
+          <p:nvPr>
+            <p:ph type="title"/>
+          </p:nvPr>
+        </p:nvSpPr>
+        <p:spPr/>
+        <p:txBody>
+          <a:bodyPr/>
+          <a:lstStyle/>
+          <a:p>
+            <a:r>
+              <a:rPr lang="en-US" dirty="0"/>
+              <a:t>Capstone outline</a:t>
+            </a:r>
+          </a:p>
+        </p:txBody>
+      </p:sp>
+      <p:sp>
+        <p:nvSpPr>
+          <p:cNvPr id="3" name="Content Placeholder 2">
+            <a:extLst>
+              <a:ext uri="{FF2B5EF4-FFF2-40B4-BE49-F238E27FC236}">
+                <a16:creationId xmlns:a16="http://schemas.microsoft.com/office/drawing/2014/main" xmlns="" id="{D215A1B0-7E78-4C4C-AF67-5ACD0A22475E}"/>
+              </a:ext>
+            </a:extLst>
+          </p:cNvPr>
+          <p:cNvSpPr>
+            <a:spLocks noGrp="1"/>
+          </p:cNvSpPr>
+          <p:nvPr>
+            <p:ph idx="1"/>
+          </p:nvPr>
+        </p:nvSpPr>
+        <p:spPr>
+          <a:xfrm>
+            <a:off x="838200" y="1825625"/>
+            <a:ext cx="10515600" cy="876011"/>
+          </a:xfrm>
+        </p:spPr>
+        <p:txBody>
+          <a:bodyPr/>
+          <a:lstStyle/>
+          <a:p>
+            <a:r>
+              <a:rPr lang="en-US" b="1" dirty="0" smtClean="0"/>
+              <a:t>Goal 1:</a:t>
+            </a:r>
+            <a:r>
+              <a:rPr lang="en-US" dirty="0" smtClean="0"/>
+              <a:t> </a:t>
+            </a:r>
+            <a:r>
+              <a:rPr lang="en-US" b="1" dirty="0" smtClean="0"/>
+              <a:t>Derive wave and </a:t>
+            </a:r>
+            <a:r>
+              <a:rPr lang="en-US" b="1" dirty="0" err="1" smtClean="0"/>
+              <a:t>KdV</a:t>
+            </a:r>
+            <a:r>
+              <a:rPr lang="en-US" b="1" dirty="0" smtClean="0"/>
+              <a:t> equations on a half-line in the velocity potential </a:t>
+            </a:r>
+            <a:r>
+              <a:rPr lang="en-US" dirty="0" smtClean="0"/>
+              <a:t>and provide the necessary conditions for this derivation. </a:t>
+            </a:r>
+            <a:endParaRPr lang="en-US" dirty="0"/>
+          </a:p>
+        </p:txBody>
+      </p:sp>
+      <p:sp>
+        <p:nvSpPr>
+          <p:cNvPr id="4" name="Slide Number Placeholder 3">
+            <a:extLst>
+              <a:ext uri="{FF2B5EF4-FFF2-40B4-BE49-F238E27FC236}">
+                <a16:creationId xmlns:a16="http://schemas.microsoft.com/office/drawing/2014/main" xmlns="" id="{202DAD29-2EF5-43DD-9D0C-CBCC8F564E13}"/>
+              </a:ext>
+            </a:extLst>
+          </p:cNvPr>
+          <p:cNvSpPr>
+            <a:spLocks noGrp="1"/>
+          </p:cNvSpPr>
+          <p:nvPr>
+            <p:ph type="sldNum" sz="quarter" idx="12"/>
+          </p:nvPr>
+        </p:nvSpPr>
+        <p:spPr/>
+        <p:txBody>
+          <a:bodyPr/>
+          <a:lstStyle/>
+          <a:p>
+            <a:r>
+              <a:rPr lang="en-US" dirty="0" smtClean="0"/>
+              <a:t>9/12</a:t>
+            </a:r>
+            <a:endParaRPr lang="en-US" dirty="0"/>
+          </a:p>
+        </p:txBody>
+      </p:sp>
+      <p:pic>
+        <p:nvPicPr>
+          <p:cNvPr id="7" name="Picture 6"/>
+          <p:cNvPicPr>
+            <a:picLocks noChangeAspect="1"/>
+          </p:cNvPicPr>
+          <p:nvPr/>
+        </p:nvPicPr>
+        <p:blipFill>
+          <a:blip r:embed="rId3">
+            <a:extLst>
+              <a:ext uri="{28A0092B-C50C-407E-A947-70E740481C1C}">
+                <a14:useLocalDpi xmlns:a14="http://schemas.microsoft.com/office/drawing/2010/main" val="0"/>
+              </a:ext>
+            </a:extLst>
+          </a:blip>
+          <a:stretch>
+            <a:fillRect/>
+          </a:stretch>
+        </p:blipFill>
+        <p:spPr>
+          <a:xfrm>
+            <a:off x="4325476" y="6007100"/>
+            <a:ext cx="579284" cy="206887"/>
+          </a:xfrm>
+          <a:prstGeom prst="rect">
+            <a:avLst/>
+          </a:prstGeom>
+        </p:spPr>
+      </p:pic>
+      <p:pic>
+        <p:nvPicPr>
+          <p:cNvPr id="11" name="Picture 10"/>
+          <p:cNvPicPr>
+            <a:picLocks noChangeAspect="1"/>
+          </p:cNvPicPr>
+          <p:nvPr/>
+        </p:nvPicPr>
+        <p:blipFill>
+          <a:blip r:embed="rId4">
+            <a:extLst>
+              <a:ext uri="{28A0092B-C50C-407E-A947-70E740481C1C}">
+                <a14:useLocalDpi xmlns:a14="http://schemas.microsoft.com/office/drawing/2010/main" val="0"/>
+              </a:ext>
+            </a:extLst>
+          </a:blip>
+          <a:stretch>
+            <a:fillRect/>
+          </a:stretch>
+        </p:blipFill>
+        <p:spPr>
+          <a:xfrm>
+            <a:off x="2564296" y="2638831"/>
+            <a:ext cx="6341165" cy="3368269"/>
+          </a:xfrm>
+          <a:prstGeom prst="rect">
+            <a:avLst/>
+          </a:prstGeom>
+        </p:spPr>
+      </p:pic>
+    </p:spTree>
+    <p:extLst>
+      <p:ext uri="{BB962C8B-B14F-4D97-AF65-F5344CB8AC3E}">
+        <p14:creationId xmlns:p14="http://schemas.microsoft.com/office/powerpoint/2010/main" val="1518420878"/>
+      </p:ext>
+    </p:extLst>
+  </p:cSld>
+  <p:clrMapOvr>
+    <a:masterClrMapping/>
+  </p:clrMapOvr>
+  <p:timing>
+    <p:tnLst>
+      <p:par>
+        <p:cTn id="1" dur="indefinite" restart="never" nodeType="tmRoot"/>
+      </p:par>
+    </p:tnLst>
+  </p:timing>
+</p:sld>
+</file>
+
+<file path=ppt/slides/slide13.xml><?xml version="1.0" encoding="utf-8"?>
+<p:sld xmlns:a="http://schemas.openxmlformats.org/drawingml/2006/main" xmlns:r="http://schemas.openxmlformats.org/officeDocument/2006/relationships" xmlns:p="http://schemas.openxmlformats.org/presentationml/2006/main">
+  <p:cSld>
+    <p:spTree>
+      <p:nvGrpSpPr>
+        <p:cNvPr id="1" name=""/>
+        <p:cNvGrpSpPr/>
+        <p:nvPr/>
+      </p:nvGrpSpPr>
+      <p:grpSpPr>
+        <a:xfrm>
+          <a:off x="0" y="0"/>
+          <a:ext cx="0" cy="0"/>
+          <a:chOff x="0" y="0"/>
+          <a:chExt cx="0" cy="0"/>
+        </a:xfrm>
+      </p:grpSpPr>
+      <p:sp>
+        <p:nvSpPr>
+          <p:cNvPr id="2" name="Title 1">
+            <a:extLst>
+              <a:ext uri="{FF2B5EF4-FFF2-40B4-BE49-F238E27FC236}">
+                <a16:creationId xmlns:a16="http://schemas.microsoft.com/office/drawing/2014/main" xmlns="" id="{2EB59BB1-CD0A-4244-8DEF-DD3CD08C78A2}"/>
+              </a:ext>
+            </a:extLst>
+          </p:cNvPr>
+          <p:cNvSpPr>
+            <a:spLocks noGrp="1"/>
+          </p:cNvSpPr>
+          <p:nvPr>
+            <p:ph type="title"/>
+          </p:nvPr>
+        </p:nvSpPr>
+        <p:spPr/>
+        <p:txBody>
+          <a:bodyPr/>
+          <a:lstStyle/>
+          <a:p>
+            <a:r>
+              <a:rPr lang="en-US" dirty="0"/>
+              <a:t>Capstone outline</a:t>
+            </a:r>
+          </a:p>
+        </p:txBody>
+      </p:sp>
+      <p:sp>
+        <p:nvSpPr>
+          <p:cNvPr id="3" name="Content Placeholder 2">
+            <a:extLst>
+              <a:ext uri="{FF2B5EF4-FFF2-40B4-BE49-F238E27FC236}">
+                <a16:creationId xmlns:a16="http://schemas.microsoft.com/office/drawing/2014/main" xmlns="" id="{D215A1B0-7E78-4C4C-AF67-5ACD0A22475E}"/>
+              </a:ext>
+            </a:extLst>
+          </p:cNvPr>
+          <p:cNvSpPr>
+            <a:spLocks noGrp="1"/>
+          </p:cNvSpPr>
+          <p:nvPr>
+            <p:ph idx="1"/>
+          </p:nvPr>
+        </p:nvSpPr>
+        <p:spPr/>
+        <p:txBody>
+          <a:bodyPr/>
+          <a:lstStyle/>
+          <a:p>
+            <a:r>
+              <a:rPr lang="en-US" b="1" dirty="0" smtClean="0"/>
+              <a:t>Goal 1:</a:t>
+            </a:r>
+            <a:r>
+              <a:rPr lang="en-US" dirty="0" smtClean="0"/>
+              <a:t> </a:t>
+            </a:r>
+            <a:r>
+              <a:rPr lang="en-US" b="1" dirty="0" smtClean="0"/>
+              <a:t>Derive wave and </a:t>
+            </a:r>
+            <a:r>
+              <a:rPr lang="en-US" b="1" dirty="0" err="1" smtClean="0"/>
+              <a:t>KdV</a:t>
+            </a:r>
+            <a:r>
+              <a:rPr lang="en-US" b="1" dirty="0" smtClean="0"/>
+              <a:t> equations on a half-line in the velocity potential </a:t>
+            </a:r>
+            <a:r>
+              <a:rPr lang="en-US" dirty="0" smtClean="0"/>
+              <a:t>and provide the necessary conditions for this derivation. </a:t>
+            </a:r>
+            <a:endParaRPr lang="en-US" dirty="0"/>
+          </a:p>
+          <a:p>
+            <a:r>
+              <a:rPr lang="en-US" b="1" dirty="0" smtClean="0"/>
+              <a:t>Goal 2: </a:t>
+            </a:r>
+            <a:r>
+              <a:rPr lang="en-US" dirty="0" smtClean="0"/>
+              <a:t>Derive wave and </a:t>
+            </a:r>
+            <a:r>
+              <a:rPr lang="en-US" dirty="0" err="1" smtClean="0"/>
+              <a:t>KdV</a:t>
+            </a:r>
+            <a:r>
+              <a:rPr lang="en-US" dirty="0" smtClean="0"/>
+              <a:t> equations on the whole and half-line in</a:t>
+            </a:r>
+            <a:r>
+              <a:rPr lang="en-US" b="1" dirty="0" smtClean="0"/>
+              <a:t> the non-local formulation</a:t>
+            </a:r>
+            <a:r>
+              <a:rPr lang="en-US" dirty="0" smtClean="0"/>
+              <a:t>.</a:t>
+            </a:r>
+          </a:p>
+          <a:p>
+            <a:r>
+              <a:rPr lang="en-US" b="1" dirty="0" smtClean="0"/>
+              <a:t>Goal 3: </a:t>
+            </a:r>
+            <a:r>
+              <a:rPr lang="en-US" dirty="0" smtClean="0"/>
+              <a:t>Depending on results, </a:t>
+            </a:r>
+            <a:r>
+              <a:rPr lang="en-US" b="1" dirty="0" smtClean="0"/>
+              <a:t>examine </a:t>
+            </a:r>
+            <a:r>
+              <a:rPr lang="en-US" b="1" dirty="0" smtClean="0"/>
+              <a:t>their </a:t>
+            </a:r>
+            <a:r>
+              <a:rPr lang="en-US" b="1" dirty="0" smtClean="0"/>
+              <a:t>utility and potential </a:t>
+            </a:r>
+            <a:r>
+              <a:rPr lang="en-US" b="1" dirty="0" smtClean="0"/>
+              <a:t>applications</a:t>
+            </a:r>
+            <a:r>
+              <a:rPr lang="en-US" dirty="0" smtClean="0"/>
+              <a:t>, </a:t>
+            </a:r>
+            <a:r>
+              <a:rPr lang="en-US" dirty="0" smtClean="0"/>
+              <a:t>in the form of an exploration.</a:t>
+            </a:r>
+            <a:endParaRPr lang="en-US" b="1" dirty="0"/>
+          </a:p>
+        </p:txBody>
+      </p:sp>
+      <p:sp>
+        <p:nvSpPr>
+          <p:cNvPr id="4" name="Slide Number Placeholder 3">
+            <a:extLst>
+              <a:ext uri="{FF2B5EF4-FFF2-40B4-BE49-F238E27FC236}">
+                <a16:creationId xmlns:a16="http://schemas.microsoft.com/office/drawing/2014/main" xmlns="" id="{202DAD29-2EF5-43DD-9D0C-CBCC8F564E13}"/>
+              </a:ext>
+            </a:extLst>
+          </p:cNvPr>
+          <p:cNvSpPr>
+            <a:spLocks noGrp="1"/>
+          </p:cNvSpPr>
+          <p:nvPr>
+            <p:ph type="sldNum" sz="quarter" idx="12"/>
+          </p:nvPr>
+        </p:nvSpPr>
+        <p:spPr/>
+        <p:txBody>
+          <a:bodyPr/>
+          <a:lstStyle/>
+          <a:p>
+            <a:r>
+              <a:rPr lang="en-US" dirty="0" smtClean="0"/>
+              <a:t>10/12</a:t>
+            </a:r>
+            <a:endParaRPr lang="en-US" dirty="0"/>
+          </a:p>
+        </p:txBody>
+      </p:sp>
+    </p:spTree>
+    <p:extLst>
+      <p:ext uri="{BB962C8B-B14F-4D97-AF65-F5344CB8AC3E}">
+        <p14:creationId xmlns:p14="http://schemas.microsoft.com/office/powerpoint/2010/main" val="1363476497"/>
+      </p:ext>
+    </p:extLst>
+  </p:cSld>
+  <p:clrMapOvr>
+    <a:masterClrMapping/>
+  </p:clrMapOvr>
+  <p:timing>
+    <p:tnLst>
+      <p:par>
+        <p:cTn id="1" dur="indefinite" restart="never" nodeType="tmRoot"/>
+      </p:par>
+    </p:tnLst>
+  </p:timing>
+</p:sld>
+</file>
+
+<file path=ppt/slides/slide14.xml><?xml version="1.0" encoding="utf-8"?>
+<p:sld xmlns:a="http://schemas.openxmlformats.org/drawingml/2006/main" xmlns:r="http://schemas.openxmlformats.org/officeDocument/2006/relationships" xmlns:p="http://schemas.openxmlformats.org/presentationml/2006/main">
+  <p:cSld>
+    <p:spTree>
+      <p:nvGrpSpPr>
+        <p:cNvPr id="1" name=""/>
+        <p:cNvGrpSpPr/>
+        <p:nvPr/>
+      </p:nvGrpSpPr>
+      <p:grpSpPr>
+        <a:xfrm>
+          <a:off x="0" y="0"/>
+          <a:ext cx="0" cy="0"/>
+          <a:chOff x="0" y="0"/>
+          <a:chExt cx="0" cy="0"/>
+        </a:xfrm>
+      </p:grpSpPr>
+      <p:sp>
+        <p:nvSpPr>
+          <p:cNvPr id="2" name="Title 1">
+            <a:extLst>
+              <a:ext uri="{FF2B5EF4-FFF2-40B4-BE49-F238E27FC236}">
                 <a16:creationId xmlns:a16="http://schemas.microsoft.com/office/drawing/2014/main" xmlns="" id="{74196386-6B55-49F1-86AB-BDFEE842CD0E}"/>
               </a:ext>
             </a:extLst>
@@ -4862,7 +6147,6 @@
           <a:lstStyle/>
           <a:p>
             <a:pPr marL="514350" indent="-514350">
-              <a:buFont typeface="+mj-lt"/>
               <a:buAutoNum type="arabicPeriod"/>
             </a:pPr>
             <a:r>
@@ -4873,7 +6157,6 @@
           </a:p>
           <a:p>
             <a:pPr marL="514350" indent="-514350">
-              <a:buFont typeface="+mj-lt"/>
               <a:buAutoNum type="arabicPeriod"/>
             </a:pPr>
             <a:r>
@@ -4891,7 +6174,6 @@
           </a:p>
           <a:p>
             <a:pPr marL="514350" indent="-514350">
-              <a:buFont typeface="+mj-lt"/>
               <a:buAutoNum type="arabicPeriod"/>
             </a:pPr>
             <a:r>
@@ -4934,14 +6216,11 @@
           <a:bodyPr/>
           <a:lstStyle/>
           <a:p>
-            <a:fld id="{F3332EFC-B9C2-4EF3-A733-16B7EBFB30C8}" type="slidenum">
-              <a:rPr lang="en-US" smtClean="0"/>
-              <a:t>11</a:t>
-            </a:fld>
-            <a:r>
-              <a:rPr lang="en-US" dirty="0"/>
-              <a:t>/12</a:t>
-            </a:r>
+            <a:r>
+              <a:rPr lang="en-US" dirty="0" smtClean="0"/>
+              <a:t>11/12</a:t>
+            </a:r>
+            <a:endParaRPr lang="en-US" dirty="0"/>
           </a:p>
         </p:txBody>
       </p:sp>
@@ -4991,7 +6270,7 @@
                                         <p:tgtEl>
                                           <p:spTgt spid="3">
                                             <p:txEl>
-                                              <p:pRg st="1" end="1"/>
+                                              <p:pRg st="0" end="0"/>
                                             </p:txEl>
                                           </p:spTgt>
                                         </p:tgtEl>
@@ -5040,7 +6319,7 @@
                                         <p:tgtEl>
                                           <p:spTgt spid="3">
                                             <p:txEl>
-                                              <p:pRg st="0" end="0"/>
+                                              <p:pRg st="1" end="1"/>
                                             </p:txEl>
                                           </p:spTgt>
                                         </p:tgtEl>
@@ -5135,7 +6414,7 @@
 </p:sld>
 </file>
 
-<file path=ppt/slides/slide12.xml><?xml version="1.0" encoding="utf-8"?>
+<file path=ppt/slides/slide15.xml><?xml version="1.0" encoding="utf-8"?>
 <p:sld xmlns:a="http://schemas.openxmlformats.org/drawingml/2006/main" xmlns:r="http://schemas.openxmlformats.org/officeDocument/2006/relationships" xmlns:p="http://schemas.openxmlformats.org/presentationml/2006/main">
   <p:cSld>
     <p:spTree>
@@ -5326,7 +6605,6 @@
               <a:rPr lang="en-US" dirty="0"/>
               <a:t>, 313-343. </a:t>
             </a:r>
-            <a:endParaRPr lang="en-US" dirty="0"/>
           </a:p>
         </p:txBody>
       </p:sp>
@@ -5351,14 +6629,15 @@
           <a:bodyPr/>
           <a:lstStyle/>
           <a:p>
-            <a:fld id="{F3332EFC-B9C2-4EF3-A733-16B7EBFB30C8}" type="slidenum">
-              <a:rPr lang="en-US" smtClean="0"/>
+            <a:r>
+              <a:rPr lang="en-US" dirty="0" smtClean="0"/>
               <a:t>12</a:t>
-            </a:fld>
-            <a:r>
-              <a:rPr lang="en-US" dirty="0"/>
+            </a:r>
+            <a:r>
+              <a:rPr lang="en-US" dirty="0" smtClean="0"/>
               <a:t>/12</a:t>
             </a:r>
+            <a:endParaRPr lang="en-US" dirty="0"/>
           </a:p>
         </p:txBody>
       </p:sp>
@@ -5738,12 +7017,12 @@
         <p:spPr/>
         <p:txBody>
           <a:bodyPr>
-            <a:normAutofit lnSpcReduction="10000"/>
+            <a:noAutofit/>
           </a:bodyPr>
           <a:lstStyle/>
           <a:p>
             <a:r>
-              <a:rPr lang="en-US" dirty="0" smtClean="0">
+              <a:rPr lang="en-US" sz="2300" dirty="0" smtClean="0">
                 <a:solidFill>
                   <a:schemeClr val="bg1">
                     <a:lumMod val="50000"/>
@@ -5753,7 +7032,7 @@
               <a:t>Sultan AITZHAN, </a:t>
             </a:r>
             <a:r>
-              <a:rPr lang="en-US" dirty="0">
+              <a:rPr lang="en-US" sz="2300" dirty="0">
                 <a:solidFill>
                   <a:schemeClr val="bg1">
                     <a:lumMod val="50000"/>
@@ -5765,7 +7044,7 @@
           </a:p>
           <a:p>
             <a:r>
-              <a:rPr lang="en-US" dirty="0">
+              <a:rPr lang="en-US" sz="2300" dirty="0">
                 <a:solidFill>
                   <a:schemeClr val="bg1">
                     <a:lumMod val="50000"/>
@@ -5775,7 +7054,7 @@
               <a:t>Supervisor: Prof. </a:t>
             </a:r>
             <a:r>
-              <a:rPr lang="en-US" dirty="0" smtClean="0">
+              <a:rPr lang="en-US" sz="2300" dirty="0" smtClean="0">
                 <a:solidFill>
                   <a:schemeClr val="bg1">
                     <a:lumMod val="50000"/>
@@ -5785,7 +7064,7 @@
               <a:t>Katie </a:t>
             </a:r>
             <a:r>
-              <a:rPr lang="en-US" dirty="0" err="1" smtClean="0">
+              <a:rPr lang="en-US" sz="2300" dirty="0" err="1" smtClean="0">
                 <a:solidFill>
                   <a:schemeClr val="bg1">
                     <a:lumMod val="50000"/>
@@ -5794,7 +7073,7 @@
               </a:rPr>
               <a:t>Oliveras</a:t>
             </a:r>
-            <a:endParaRPr lang="en-US" dirty="0" smtClean="0">
+            <a:endParaRPr lang="en-US" sz="2300" dirty="0" smtClean="0">
               <a:solidFill>
                 <a:schemeClr val="bg1">
                   <a:lumMod val="50000"/>
@@ -5804,7 +7083,7 @@
           </a:p>
           <a:p>
             <a:r>
-              <a:rPr lang="en-US" dirty="0" smtClean="0">
+              <a:rPr lang="en-US" sz="2300" dirty="0" smtClean="0">
                 <a:solidFill>
                   <a:schemeClr val="bg1">
                     <a:lumMod val="50000"/>
@@ -5813,7 +7092,7 @@
               </a:rPr>
               <a:t>Co-Supervisor: Prof. Dave Smith</a:t>
             </a:r>
-            <a:endParaRPr lang="en-US" dirty="0">
+            <a:endParaRPr lang="en-US" sz="2300" dirty="0">
               <a:solidFill>
                 <a:schemeClr val="bg1">
                   <a:lumMod val="50000"/>
@@ -5823,26 +7102,16 @@
           </a:p>
           <a:p>
             <a:r>
-              <a:rPr lang="en-US" dirty="0" smtClean="0">
+              <a:rPr lang="en-US" sz="2300" dirty="0" smtClean="0">
                 <a:solidFill>
                   <a:schemeClr val="bg1">
                     <a:lumMod val="50000"/>
                   </a:schemeClr>
                 </a:solidFill>
               </a:rPr>
-              <a:t>Nov 6</a:t>
-            </a:r>
-            <a:r>
-              <a:rPr lang="en-US" dirty="0" smtClean="0">
-                <a:solidFill>
-                  <a:schemeClr val="bg1">
-                    <a:lumMod val="50000"/>
-                  </a:schemeClr>
-                </a:solidFill>
-              </a:rPr>
-              <a:t>, 2019</a:t>
-            </a:r>
-            <a:endParaRPr lang="en-US" dirty="0">
+              <a:t>Nov 6, 2019</a:t>
+            </a:r>
+            <a:endParaRPr lang="en-US" sz="2300" dirty="0">
               <a:solidFill>
                 <a:schemeClr val="bg1">
                   <a:lumMod val="50000"/>
@@ -5989,39 +7258,9 @@
           </a:p>
         </p:txBody>
       </p:sp>
-      <p:sp>
-        <p:nvSpPr>
-          <p:cNvPr id="19" name="TextBox 18"/>
-          <p:cNvSpPr txBox="1"/>
-          <p:nvPr/>
-        </p:nvSpPr>
-        <p:spPr>
-          <a:xfrm>
-            <a:off x="903902" y="2642427"/>
-            <a:ext cx="1464375" cy="461665"/>
-          </a:xfrm>
-          <a:prstGeom prst="rect">
-            <a:avLst/>
-          </a:prstGeom>
-          <a:noFill/>
-        </p:spPr>
-        <p:txBody>
-          <a:bodyPr wrap="none" rtlCol="0">
-            <a:spAutoFit/>
-          </a:bodyPr>
-          <a:lstStyle/>
-          <a:p>
-            <a:r>
-              <a:rPr lang="en-US" sz="2400" dirty="0" smtClean="0"/>
-              <a:t>Physically:</a:t>
-            </a:r>
-            <a:endParaRPr lang="en-US" sz="2400" dirty="0"/>
-          </a:p>
-        </p:txBody>
-      </p:sp>
       <p:pic>
         <p:nvPicPr>
-          <p:cNvPr id="20" name="Picture 19"/>
+          <p:cNvPr id="2" name="Picture 1"/>
           <p:cNvPicPr>
             <a:picLocks noChangeAspect="1"/>
           </p:cNvPicPr>
@@ -6041,14 +7280,178 @@
         </p:blipFill>
         <p:spPr>
           <a:xfrm>
-            <a:off x="579784" y="832184"/>
-            <a:ext cx="10976112" cy="1773809"/>
+            <a:off x="2750011" y="740147"/>
+            <a:ext cx="6128806" cy="2948384"/>
           </a:xfrm>
           <a:prstGeom prst="rect">
             <a:avLst/>
           </a:prstGeom>
         </p:spPr>
       </p:pic>
+      <p:pic>
+        <p:nvPicPr>
+          <p:cNvPr id="3" name="Picture 2"/>
+          <p:cNvPicPr>
+            <a:picLocks noChangeAspect="1"/>
+          </p:cNvPicPr>
+          <p:nvPr/>
+        </p:nvPicPr>
+        <p:blipFill>
+          <a:blip r:embed="rId4">
+            <a:extLst>
+              <a:ext uri="{28A0092B-C50C-407E-A947-70E740481C1C}">
+                <a14:useLocalDpi xmlns:a14="http://schemas.microsoft.com/office/drawing/2010/main" val="0"/>
+              </a:ext>
+            </a:extLst>
+          </a:blip>
+          <a:stretch>
+            <a:fillRect/>
+          </a:stretch>
+        </p:blipFill>
+        <p:spPr>
+          <a:xfrm>
+            <a:off x="2778587" y="740147"/>
+            <a:ext cx="6128806" cy="3007993"/>
+          </a:xfrm>
+          <a:prstGeom prst="rect">
+            <a:avLst/>
+          </a:prstGeom>
+        </p:spPr>
+      </p:pic>
+    </p:spTree>
+    <p:extLst>
+      <p:ext uri="{BB962C8B-B14F-4D97-AF65-F5344CB8AC3E}">
+        <p14:creationId xmlns:p14="http://schemas.microsoft.com/office/powerpoint/2010/main" val="1282182436"/>
+      </p:ext>
+    </p:extLst>
+  </p:cSld>
+  <p:clrMapOvr>
+    <a:masterClrMapping/>
+  </p:clrMapOvr>
+  <p:timing>
+    <p:tnLst>
+      <p:par>
+        <p:cTn id="1" dur="indefinite" restart="never" nodeType="tmRoot"/>
+      </p:par>
+    </p:tnLst>
+  </p:timing>
+</p:sld>
+</file>
+
+<file path=ppt/slides/slide4.xml><?xml version="1.0" encoding="utf-8"?>
+<p:sld xmlns:a="http://schemas.openxmlformats.org/drawingml/2006/main" xmlns:r="http://schemas.openxmlformats.org/officeDocument/2006/relationships" xmlns:p="http://schemas.openxmlformats.org/presentationml/2006/main">
+  <p:cSld>
+    <p:spTree>
+      <p:nvGrpSpPr>
+        <p:cNvPr id="1" name=""/>
+        <p:cNvGrpSpPr/>
+        <p:nvPr/>
+      </p:nvGrpSpPr>
+      <p:grpSpPr>
+        <a:xfrm>
+          <a:off x="0" y="0"/>
+          <a:ext cx="0" cy="0"/>
+          <a:chOff x="0" y="0"/>
+          <a:chExt cx="0" cy="0"/>
+        </a:xfrm>
+      </p:grpSpPr>
+      <p:sp>
+        <p:nvSpPr>
+          <p:cNvPr id="4" name="Slide Number Placeholder 3">
+            <a:extLst>
+              <a:ext uri="{FF2B5EF4-FFF2-40B4-BE49-F238E27FC236}">
+                <a16:creationId xmlns:a16="http://schemas.microsoft.com/office/drawing/2014/main" xmlns="" id="{8597B9A3-768C-4924-A2AC-93EBE490577E}"/>
+              </a:ext>
+            </a:extLst>
+          </p:cNvPr>
+          <p:cNvSpPr>
+            <a:spLocks noGrp="1"/>
+          </p:cNvSpPr>
+          <p:nvPr>
+            <p:ph type="sldNum" sz="quarter" idx="12"/>
+          </p:nvPr>
+        </p:nvSpPr>
+        <p:spPr/>
+        <p:txBody>
+          <a:bodyPr/>
+          <a:lstStyle/>
+          <a:p>
+            <a:fld id="{F3332EFC-B9C2-4EF3-A733-16B7EBFB30C8}" type="slidenum">
+              <a:rPr lang="en-US" smtClean="0"/>
+              <a:t>4</a:t>
+            </a:fld>
+            <a:r>
+              <a:rPr lang="en-US" dirty="0"/>
+              <a:t>/12</a:t>
+            </a:r>
+          </a:p>
+        </p:txBody>
+      </p:sp>
+      <p:sp>
+        <p:nvSpPr>
+          <p:cNvPr id="10" name="TextBox 9"/>
+          <p:cNvSpPr txBox="1"/>
+          <p:nvPr/>
+        </p:nvSpPr>
+        <p:spPr>
+          <a:xfrm>
+            <a:off x="902525" y="334085"/>
+            <a:ext cx="4199419" cy="1015663"/>
+          </a:xfrm>
+          <a:prstGeom prst="rect">
+            <a:avLst/>
+          </a:prstGeom>
+          <a:noFill/>
+        </p:spPr>
+        <p:txBody>
+          <a:bodyPr wrap="none" rtlCol="0">
+            <a:spAutoFit/>
+          </a:bodyPr>
+          <a:lstStyle/>
+          <a:p>
+            <a:r>
+              <a:rPr lang="en-US" sz="2400" dirty="0" smtClean="0"/>
+              <a:t>Consider the following problem:</a:t>
+            </a:r>
+          </a:p>
+          <a:p>
+            <a:endParaRPr lang="en-US" dirty="0"/>
+          </a:p>
+          <a:p>
+            <a:endParaRPr lang="en-US" dirty="0" smtClean="0"/>
+          </a:p>
+        </p:txBody>
+      </p:sp>
+      <p:sp>
+        <p:nvSpPr>
+          <p:cNvPr id="19" name="TextBox 18"/>
+          <p:cNvSpPr txBox="1"/>
+          <p:nvPr/>
+        </p:nvSpPr>
+        <p:spPr>
+          <a:xfrm>
+            <a:off x="878458" y="3836466"/>
+            <a:ext cx="2210926" cy="461665"/>
+          </a:xfrm>
+          <a:prstGeom prst="rect">
+            <a:avLst/>
+          </a:prstGeom>
+          <a:noFill/>
+        </p:spPr>
+        <p:txBody>
+          <a:bodyPr wrap="none" rtlCol="0">
+            <a:spAutoFit/>
+          </a:bodyPr>
+          <a:lstStyle/>
+          <a:p>
+            <a:r>
+              <a:rPr lang="en-US" sz="2400" dirty="0" smtClean="0"/>
+              <a:t>Mathematically:</a:t>
+            </a:r>
+            <a:endParaRPr lang="en-US" sz="2400" dirty="0"/>
+          </a:p>
+        </p:txBody>
+      </p:sp>
       <p:grpSp>
         <p:nvGrpSpPr>
           <p:cNvPr id="31" name="Group 30"/>
@@ -6057,7 +7460,7 @@
         </p:nvGrpSpPr>
         <p:grpSpPr>
           <a:xfrm>
-            <a:off x="2368277" y="2642427"/>
+            <a:off x="2324122" y="733556"/>
             <a:ext cx="6547123" cy="3063715"/>
             <a:chOff x="2323109" y="3352280"/>
             <a:chExt cx="6406245" cy="3311282"/>
@@ -6072,7 +7475,7 @@
             <p:nvPr/>
           </p:nvPicPr>
           <p:blipFill>
-            <a:blip r:embed="rId4">
+            <a:blip r:embed="rId3">
               <a:extLst>
                 <a:ext uri="{28A0092B-C50C-407E-A947-70E740481C1C}">
                   <a14:useLocalDpi xmlns:a14="http://schemas.microsoft.com/office/drawing/2010/main" val="0"/>
@@ -6116,7 +7519,7 @@
               <p:nvPr/>
             </p:nvPicPr>
             <p:blipFill>
-              <a:blip r:embed="rId5">
+              <a:blip r:embed="rId4">
                 <a:extLst>
                   <a:ext uri="{28A0092B-C50C-407E-A947-70E740481C1C}">
                     <a14:useLocalDpi xmlns:a14="http://schemas.microsoft.com/office/drawing/2010/main" val="0"/>
@@ -6146,7 +7549,7 @@
               <p:nvPr/>
             </p:nvPicPr>
             <p:blipFill>
-              <a:blip r:embed="rId6">
+              <a:blip r:embed="rId5">
                 <a:extLst>
                   <a:ext uri="{28A0092B-C50C-407E-A947-70E740481C1C}">
                     <a14:useLocalDpi xmlns:a14="http://schemas.microsoft.com/office/drawing/2010/main" val="0"/>
@@ -6176,7 +7579,7 @@
               <p:nvPr/>
             </p:nvPicPr>
             <p:blipFill>
-              <a:blip r:embed="rId7">
+              <a:blip r:embed="rId6">
                 <a:extLst>
                   <a:ext uri="{28A0092B-C50C-407E-A947-70E740481C1C}">
                     <a14:useLocalDpi xmlns:a14="http://schemas.microsoft.com/office/drawing/2010/main" val="0"/>
@@ -6207,7 +7610,7 @@
         </p:nvSpPr>
         <p:spPr>
           <a:xfrm>
-            <a:off x="992806" y="5860519"/>
+            <a:off x="878458" y="5920258"/>
             <a:ext cx="7878439" cy="461665"/>
           </a:xfrm>
           <a:prstGeom prst="rect">
@@ -6237,300 +7640,69 @@
           </a:p>
         </p:txBody>
       </p:sp>
+      <p:pic>
+        <p:nvPicPr>
+          <p:cNvPr id="13" name="Picture 12"/>
+          <p:cNvPicPr>
+            <a:picLocks noChangeAspect="1"/>
+          </p:cNvPicPr>
+          <p:nvPr/>
+        </p:nvPicPr>
+        <p:blipFill rotWithShape="1">
+          <a:blip r:embed="rId7">
+            <a:extLst>
+              <a:ext uri="{28A0092B-C50C-407E-A947-70E740481C1C}">
+                <a14:useLocalDpi xmlns:a14="http://schemas.microsoft.com/office/drawing/2010/main" val="0"/>
+              </a:ext>
+            </a:extLst>
+          </a:blip>
+          <a:srcRect l="15979"/>
+          <a:stretch/>
+        </p:blipFill>
+        <p:spPr>
+          <a:xfrm>
+            <a:off x="2131542" y="4194339"/>
+            <a:ext cx="9222258" cy="1773809"/>
+          </a:xfrm>
+          <a:prstGeom prst="rect">
+            <a:avLst/>
+          </a:prstGeom>
+        </p:spPr>
+      </p:pic>
+      <p:pic>
+        <p:nvPicPr>
+          <p:cNvPr id="6" name="Picture 5"/>
+          <p:cNvPicPr>
+            <a:picLocks noChangeAspect="1"/>
+          </p:cNvPicPr>
+          <p:nvPr/>
+        </p:nvPicPr>
+        <p:blipFill>
+          <a:blip r:embed="rId8">
+            <a:extLst>
+              <a:ext uri="{28A0092B-C50C-407E-A947-70E740481C1C}">
+                <a14:useLocalDpi xmlns:a14="http://schemas.microsoft.com/office/drawing/2010/main" val="0"/>
+              </a:ext>
+            </a:extLst>
+          </a:blip>
+          <a:stretch>
+            <a:fillRect/>
+          </a:stretch>
+        </p:blipFill>
+        <p:spPr>
+          <a:xfrm>
+            <a:off x="2324123" y="733556"/>
+            <a:ext cx="6660266" cy="3110520"/>
+          </a:xfrm>
+          <a:prstGeom prst="rect">
+            <a:avLst/>
+          </a:prstGeom>
+        </p:spPr>
+      </p:pic>
     </p:spTree>
     <p:extLst>
       <p:ext uri="{BB962C8B-B14F-4D97-AF65-F5344CB8AC3E}">
         <p14:creationId xmlns:p14="http://schemas.microsoft.com/office/powerpoint/2010/main" val="1014169140"/>
-      </p:ext>
-    </p:extLst>
-  </p:cSld>
-  <p:clrMapOvr>
-    <a:masterClrMapping/>
-  </p:clrMapOvr>
-  <p:timing>
-    <p:tnLst>
-      <p:par>
-        <p:cTn id="1" dur="indefinite" restart="never" nodeType="tmRoot"/>
-      </p:par>
-    </p:tnLst>
-  </p:timing>
-</p:sld>
-</file>
-
-<file path=ppt/slides/slide4.xml><?xml version="1.0" encoding="utf-8"?>
-<p:sld xmlns:a="http://schemas.openxmlformats.org/drawingml/2006/main" xmlns:r="http://schemas.openxmlformats.org/officeDocument/2006/relationships" xmlns:p="http://schemas.openxmlformats.org/presentationml/2006/main">
-  <p:cSld>
-    <p:spTree>
-      <p:nvGrpSpPr>
-        <p:cNvPr id="1" name=""/>
-        <p:cNvGrpSpPr/>
-        <p:nvPr/>
-      </p:nvGrpSpPr>
-      <p:grpSpPr>
-        <a:xfrm>
-          <a:off x="0" y="0"/>
-          <a:ext cx="0" cy="0"/>
-          <a:chOff x="0" y="0"/>
-          <a:chExt cx="0" cy="0"/>
-        </a:xfrm>
-      </p:grpSpPr>
-      <p:sp>
-        <p:nvSpPr>
-          <p:cNvPr id="2" name="Title 1">
-            <a:extLst>
-              <a:ext uri="{FF2B5EF4-FFF2-40B4-BE49-F238E27FC236}">
-                <a16:creationId xmlns:a16="http://schemas.microsoft.com/office/drawing/2014/main" xmlns="" id="{9A63FF76-6E01-4F14-B5E8-BCE699FDC948}"/>
-              </a:ext>
-            </a:extLst>
-          </p:cNvPr>
-          <p:cNvSpPr>
-            <a:spLocks noGrp="1"/>
-          </p:cNvSpPr>
-          <p:nvPr>
-            <p:ph type="ctrTitle"/>
-          </p:nvPr>
-        </p:nvSpPr>
-        <p:spPr/>
-        <p:txBody>
-          <a:bodyPr>
-            <a:noAutofit/>
-          </a:bodyPr>
-          <a:lstStyle/>
-          <a:p>
-            <a:r>
-              <a:rPr lang="en-US" sz="4400" dirty="0"/>
-              <a:t> Approximate expansions </a:t>
-            </a:r>
-            <a:r>
-              <a:rPr lang="en-US" sz="4400" dirty="0">
-                <a:solidFill>
-                  <a:schemeClr val="bg1">
-                    <a:lumMod val="50000"/>
-                  </a:schemeClr>
-                </a:solidFill>
-              </a:rPr>
-              <a:t>for </a:t>
-            </a:r>
-            <a:r>
-              <a:rPr lang="en-US" sz="4400" dirty="0" smtClean="0">
-                <a:solidFill>
-                  <a:schemeClr val="bg1">
-                    <a:lumMod val="50000"/>
-                  </a:schemeClr>
-                </a:solidFill>
-              </a:rPr>
-              <a:t>wave and </a:t>
-            </a:r>
-            <a:r>
-              <a:rPr lang="en-US" sz="4400" dirty="0" err="1">
-                <a:solidFill>
-                  <a:schemeClr val="bg1">
-                    <a:lumMod val="50000"/>
-                  </a:schemeClr>
-                </a:solidFill>
-              </a:rPr>
-              <a:t>KdV</a:t>
-            </a:r>
-            <a:r>
-              <a:rPr lang="en-US" sz="4400" dirty="0">
-                <a:solidFill>
-                  <a:schemeClr val="bg1">
-                    <a:lumMod val="50000"/>
-                  </a:schemeClr>
-                </a:solidFill>
-              </a:rPr>
-              <a:t> equations via the velocity potential and non-local </a:t>
-            </a:r>
-            <a:r>
-              <a:rPr lang="en-US" sz="4400" dirty="0" smtClean="0">
-                <a:solidFill>
-                  <a:schemeClr val="bg1">
-                    <a:lumMod val="50000"/>
-                  </a:schemeClr>
-                </a:solidFill>
-              </a:rPr>
-              <a:t>formulations</a:t>
-            </a:r>
-            <a:endParaRPr lang="en-US" sz="4400" dirty="0">
-              <a:solidFill>
-                <a:schemeClr val="bg1">
-                  <a:lumMod val="50000"/>
-                </a:schemeClr>
-              </a:solidFill>
-            </a:endParaRPr>
-          </a:p>
-        </p:txBody>
-      </p:sp>
-      <p:sp>
-        <p:nvSpPr>
-          <p:cNvPr id="3" name="Subtitle 2">
-            <a:extLst>
-              <a:ext uri="{FF2B5EF4-FFF2-40B4-BE49-F238E27FC236}">
-                <a16:creationId xmlns:a16="http://schemas.microsoft.com/office/drawing/2014/main" xmlns="" id="{76D6B4C6-BC50-4772-B971-02A14CBA2F37}"/>
-              </a:ext>
-            </a:extLst>
-          </p:cNvPr>
-          <p:cNvSpPr>
-            <a:spLocks noGrp="1"/>
-          </p:cNvSpPr>
-          <p:nvPr>
-            <p:ph type="subTitle" idx="1"/>
-          </p:nvPr>
-        </p:nvSpPr>
-        <p:spPr/>
-        <p:txBody>
-          <a:bodyPr>
-            <a:normAutofit lnSpcReduction="10000"/>
-          </a:bodyPr>
-          <a:lstStyle/>
-          <a:p>
-            <a:r>
-              <a:rPr lang="en-US" dirty="0" smtClean="0">
-                <a:solidFill>
-                  <a:schemeClr val="bg1">
-                    <a:lumMod val="50000"/>
-                  </a:schemeClr>
-                </a:solidFill>
-              </a:rPr>
-              <a:t>Sultan AITZHAN, </a:t>
-            </a:r>
-            <a:r>
-              <a:rPr lang="en-US" dirty="0">
-                <a:solidFill>
-                  <a:schemeClr val="bg1">
-                    <a:lumMod val="50000"/>
-                  </a:schemeClr>
-                </a:solidFill>
-              </a:rPr>
-              <a:t>Yale-NUS College</a:t>
-            </a:r>
-          </a:p>
-          <a:p>
-            <a:r>
-              <a:rPr lang="en-US" dirty="0">
-                <a:solidFill>
-                  <a:schemeClr val="bg1">
-                    <a:lumMod val="50000"/>
-                  </a:schemeClr>
-                </a:solidFill>
-              </a:rPr>
-              <a:t>Supervisor: Prof. </a:t>
-            </a:r>
-            <a:r>
-              <a:rPr lang="en-US" dirty="0" smtClean="0">
-                <a:solidFill>
-                  <a:schemeClr val="bg1">
-                    <a:lumMod val="50000"/>
-                  </a:schemeClr>
-                </a:solidFill>
-              </a:rPr>
-              <a:t>Katie </a:t>
-            </a:r>
-            <a:r>
-              <a:rPr lang="en-US" dirty="0" err="1" smtClean="0">
-                <a:solidFill>
-                  <a:schemeClr val="bg1">
-                    <a:lumMod val="50000"/>
-                  </a:schemeClr>
-                </a:solidFill>
-              </a:rPr>
-              <a:t>Oliveras</a:t>
-            </a:r>
-            <a:endParaRPr lang="en-US" dirty="0" smtClean="0">
-              <a:solidFill>
-                <a:schemeClr val="bg1">
-                  <a:lumMod val="50000"/>
-                </a:schemeClr>
-              </a:solidFill>
-            </a:endParaRPr>
-          </a:p>
-          <a:p>
-            <a:r>
-              <a:rPr lang="en-US" dirty="0" smtClean="0">
-                <a:solidFill>
-                  <a:schemeClr val="bg1">
-                    <a:lumMod val="50000"/>
-                  </a:schemeClr>
-                </a:solidFill>
-              </a:rPr>
-              <a:t>Co-Supervisor: Prof. Dave Smith</a:t>
-            </a:r>
-            <a:endParaRPr lang="en-US" dirty="0">
-              <a:solidFill>
-                <a:schemeClr val="bg1">
-                  <a:lumMod val="50000"/>
-                </a:schemeClr>
-              </a:solidFill>
-            </a:endParaRPr>
-          </a:p>
-          <a:p>
-            <a:r>
-              <a:rPr lang="en-US" dirty="0" smtClean="0">
-                <a:solidFill>
-                  <a:schemeClr val="bg1">
-                    <a:lumMod val="50000"/>
-                  </a:schemeClr>
-                </a:solidFill>
-              </a:rPr>
-              <a:t>Nov 6</a:t>
-            </a:r>
-            <a:r>
-              <a:rPr lang="en-US" dirty="0" smtClean="0">
-                <a:solidFill>
-                  <a:schemeClr val="bg1">
-                    <a:lumMod val="50000"/>
-                  </a:schemeClr>
-                </a:solidFill>
-              </a:rPr>
-              <a:t>, 2019</a:t>
-            </a:r>
-            <a:endParaRPr lang="en-US" dirty="0">
-              <a:solidFill>
-                <a:schemeClr val="bg1">
-                  <a:lumMod val="50000"/>
-                </a:schemeClr>
-              </a:solidFill>
-            </a:endParaRPr>
-          </a:p>
-        </p:txBody>
-      </p:sp>
-      <p:sp>
-        <p:nvSpPr>
-          <p:cNvPr id="4" name="Slide Number Placeholder 3">
-            <a:extLst>
-              <a:ext uri="{FF2B5EF4-FFF2-40B4-BE49-F238E27FC236}">
-                <a16:creationId xmlns:a16="http://schemas.microsoft.com/office/drawing/2014/main" xmlns="" id="{4944FC19-3050-4B71-977A-DAA6F37AB0DF}"/>
-              </a:ext>
-            </a:extLst>
-          </p:cNvPr>
-          <p:cNvSpPr>
-            <a:spLocks noGrp="1"/>
-          </p:cNvSpPr>
-          <p:nvPr>
-            <p:ph type="sldNum" sz="quarter" idx="12"/>
-          </p:nvPr>
-        </p:nvSpPr>
-        <p:spPr/>
-        <p:txBody>
-          <a:bodyPr/>
-          <a:lstStyle/>
-          <a:p>
-            <a:fld id="{F3332EFC-B9C2-4EF3-A733-16B7EBFB30C8}" type="slidenum">
-              <a:rPr lang="en-US" smtClean="0"/>
-              <a:t>4</a:t>
-            </a:fld>
-            <a:r>
-              <a:rPr lang="en-US" dirty="0" smtClean="0"/>
-              <a:t>/12</a:t>
-            </a:r>
-            <a:endParaRPr lang="en-US" dirty="0"/>
-          </a:p>
-        </p:txBody>
-      </p:sp>
-    </p:spTree>
-    <p:extLst>
-      <p:ext uri="{BB962C8B-B14F-4D97-AF65-F5344CB8AC3E}">
-        <p14:creationId xmlns:p14="http://schemas.microsoft.com/office/powerpoint/2010/main" val="1340914237"/>
       </p:ext>
     </p:extLst>
   </p:cSld>
@@ -6566,10 +7738,220 @@
       </p:grpSpPr>
       <p:sp>
         <p:nvSpPr>
+          <p:cNvPr id="2" name="Title 1">
+            <a:extLst>
+              <a:ext uri="{FF2B5EF4-FFF2-40B4-BE49-F238E27FC236}">
+                <a16:creationId xmlns:a16="http://schemas.microsoft.com/office/drawing/2014/main" xmlns="" id="{9A63FF76-6E01-4F14-B5E8-BCE699FDC948}"/>
+              </a:ext>
+            </a:extLst>
+          </p:cNvPr>
+          <p:cNvSpPr>
+            <a:spLocks noGrp="1"/>
+          </p:cNvSpPr>
+          <p:nvPr>
+            <p:ph type="ctrTitle"/>
+          </p:nvPr>
+        </p:nvSpPr>
+        <p:spPr/>
+        <p:txBody>
+          <a:bodyPr>
+            <a:noAutofit/>
+          </a:bodyPr>
+          <a:lstStyle/>
+          <a:p>
+            <a:r>
+              <a:rPr lang="en-US" sz="4400" dirty="0"/>
+              <a:t> Approximate expansions </a:t>
+            </a:r>
+            <a:r>
+              <a:rPr lang="en-US" sz="4400" dirty="0">
+                <a:solidFill>
+                  <a:schemeClr val="bg1">
+                    <a:lumMod val="50000"/>
+                  </a:schemeClr>
+                </a:solidFill>
+              </a:rPr>
+              <a:t>for </a:t>
+            </a:r>
+            <a:r>
+              <a:rPr lang="en-US" sz="4400" dirty="0" smtClean="0">
+                <a:solidFill>
+                  <a:schemeClr val="bg1">
+                    <a:lumMod val="50000"/>
+                  </a:schemeClr>
+                </a:solidFill>
+              </a:rPr>
+              <a:t>wave and </a:t>
+            </a:r>
+            <a:r>
+              <a:rPr lang="en-US" sz="4400" dirty="0" err="1">
+                <a:solidFill>
+                  <a:schemeClr val="bg1">
+                    <a:lumMod val="50000"/>
+                  </a:schemeClr>
+                </a:solidFill>
+              </a:rPr>
+              <a:t>KdV</a:t>
+            </a:r>
+            <a:r>
+              <a:rPr lang="en-US" sz="4400" dirty="0">
+                <a:solidFill>
+                  <a:schemeClr val="bg1">
+                    <a:lumMod val="50000"/>
+                  </a:schemeClr>
+                </a:solidFill>
+              </a:rPr>
+              <a:t> equations via the velocity potential and non-local </a:t>
+            </a:r>
+            <a:r>
+              <a:rPr lang="en-US" sz="4400" dirty="0" smtClean="0">
+                <a:solidFill>
+                  <a:schemeClr val="bg1">
+                    <a:lumMod val="50000"/>
+                  </a:schemeClr>
+                </a:solidFill>
+              </a:rPr>
+              <a:t>formulations</a:t>
+            </a:r>
+            <a:endParaRPr lang="en-US" sz="4400" dirty="0">
+              <a:solidFill>
+                <a:schemeClr val="bg1">
+                  <a:lumMod val="50000"/>
+                </a:schemeClr>
+              </a:solidFill>
+            </a:endParaRPr>
+          </a:p>
+        </p:txBody>
+      </p:sp>
+      <p:sp>
+        <p:nvSpPr>
+          <p:cNvPr id="3" name="Subtitle 2">
+            <a:extLst>
+              <a:ext uri="{FF2B5EF4-FFF2-40B4-BE49-F238E27FC236}">
+                <a16:creationId xmlns:a16="http://schemas.microsoft.com/office/drawing/2014/main" xmlns="" id="{76D6B4C6-BC50-4772-B971-02A14CBA2F37}"/>
+              </a:ext>
+            </a:extLst>
+          </p:cNvPr>
+          <p:cNvSpPr>
+            <a:spLocks noGrp="1"/>
+          </p:cNvSpPr>
+          <p:nvPr>
+            <p:ph type="subTitle" idx="1"/>
+          </p:nvPr>
+        </p:nvSpPr>
+        <p:spPr/>
+        <p:txBody>
+          <a:bodyPr>
+            <a:normAutofit lnSpcReduction="10000"/>
+          </a:bodyPr>
+          <a:lstStyle/>
+          <a:p>
+            <a:r>
+              <a:rPr lang="en-US" dirty="0" smtClean="0">
+                <a:solidFill>
+                  <a:schemeClr val="bg1">
+                    <a:lumMod val="50000"/>
+                  </a:schemeClr>
+                </a:solidFill>
+              </a:rPr>
+              <a:t>Sultan AITZHAN, </a:t>
+            </a:r>
+            <a:r>
+              <a:rPr lang="en-US" dirty="0">
+                <a:solidFill>
+                  <a:schemeClr val="bg1">
+                    <a:lumMod val="50000"/>
+                  </a:schemeClr>
+                </a:solidFill>
+              </a:rPr>
+              <a:t>Yale-NUS College</a:t>
+            </a:r>
+          </a:p>
+          <a:p>
+            <a:r>
+              <a:rPr lang="en-US" dirty="0">
+                <a:solidFill>
+                  <a:schemeClr val="bg1">
+                    <a:lumMod val="50000"/>
+                  </a:schemeClr>
+                </a:solidFill>
+              </a:rPr>
+              <a:t>Supervisor: Prof. </a:t>
+            </a:r>
+            <a:r>
+              <a:rPr lang="en-US" dirty="0" smtClean="0">
+                <a:solidFill>
+                  <a:schemeClr val="bg1">
+                    <a:lumMod val="50000"/>
+                  </a:schemeClr>
+                </a:solidFill>
+              </a:rPr>
+              <a:t>Katie </a:t>
+            </a:r>
+            <a:r>
+              <a:rPr lang="en-US" dirty="0" err="1" smtClean="0">
+                <a:solidFill>
+                  <a:schemeClr val="bg1">
+                    <a:lumMod val="50000"/>
+                  </a:schemeClr>
+                </a:solidFill>
+              </a:rPr>
+              <a:t>Oliveras</a:t>
+            </a:r>
+            <a:endParaRPr lang="en-US" dirty="0" smtClean="0">
+              <a:solidFill>
+                <a:schemeClr val="bg1">
+                  <a:lumMod val="50000"/>
+                </a:schemeClr>
+              </a:solidFill>
+            </a:endParaRPr>
+          </a:p>
+          <a:p>
+            <a:r>
+              <a:rPr lang="en-US" dirty="0" smtClean="0">
+                <a:solidFill>
+                  <a:schemeClr val="bg1">
+                    <a:lumMod val="50000"/>
+                  </a:schemeClr>
+                </a:solidFill>
+              </a:rPr>
+              <a:t>Co-Supervisor: Prof. Dave Smith</a:t>
+            </a:r>
+            <a:endParaRPr lang="en-US" dirty="0">
+              <a:solidFill>
+                <a:schemeClr val="bg1">
+                  <a:lumMod val="50000"/>
+                </a:schemeClr>
+              </a:solidFill>
+            </a:endParaRPr>
+          </a:p>
+          <a:p>
+            <a:r>
+              <a:rPr lang="en-US" dirty="0" smtClean="0">
+                <a:solidFill>
+                  <a:schemeClr val="bg1">
+                    <a:lumMod val="50000"/>
+                  </a:schemeClr>
+                </a:solidFill>
+              </a:rPr>
+              <a:t>Nov 6, 2019</a:t>
+            </a:r>
+            <a:endParaRPr lang="en-US" dirty="0">
+              <a:solidFill>
+                <a:schemeClr val="bg1">
+                  <a:lumMod val="50000"/>
+                </a:schemeClr>
+              </a:solidFill>
+            </a:endParaRPr>
+          </a:p>
+        </p:txBody>
+      </p:sp>
+      <p:sp>
+        <p:nvSpPr>
           <p:cNvPr id="4" name="Slide Number Placeholder 3">
             <a:extLst>
               <a:ext uri="{FF2B5EF4-FFF2-40B4-BE49-F238E27FC236}">
-                <a16:creationId xmlns:a16="http://schemas.microsoft.com/office/drawing/2014/main" xmlns="" id="{8597B9A3-768C-4924-A2AC-93EBE490577E}"/>
+                <a16:creationId xmlns:a16="http://schemas.microsoft.com/office/drawing/2014/main" xmlns="" id="{4944FC19-3050-4B71-977A-DAA6F37AB0DF}"/>
               </a:ext>
             </a:extLst>
           </p:cNvPr>
@@ -6590,9 +7972,462 @@
               <a:t>5</a:t>
             </a:fld>
             <a:r>
+              <a:rPr lang="en-US" dirty="0" smtClean="0"/>
+              <a:t>/12</a:t>
+            </a:r>
+            <a:endParaRPr lang="en-US" dirty="0"/>
+          </a:p>
+        </p:txBody>
+      </p:sp>
+    </p:spTree>
+    <p:extLst>
+      <p:ext uri="{BB962C8B-B14F-4D97-AF65-F5344CB8AC3E}">
+        <p14:creationId xmlns:p14="http://schemas.microsoft.com/office/powerpoint/2010/main" val="1340914237"/>
+      </p:ext>
+    </p:extLst>
+  </p:cSld>
+  <p:clrMapOvr>
+    <a:masterClrMapping/>
+  </p:clrMapOvr>
+  <p:timing>
+    <p:tnLst>
+      <p:par>
+        <p:cTn id="1" dur="indefinite" restart="never" nodeType="tmRoot"/>
+      </p:par>
+    </p:tnLst>
+  </p:timing>
+</p:sld>
+</file>
+
+<file path=ppt/slides/slide6.xml><?xml version="1.0" encoding="utf-8"?>
+<p:sld xmlns:a="http://schemas.openxmlformats.org/drawingml/2006/main" xmlns:r="http://schemas.openxmlformats.org/officeDocument/2006/relationships" xmlns:p="http://schemas.openxmlformats.org/presentationml/2006/main">
+  <p:cSld>
+    <p:spTree>
+      <p:nvGrpSpPr>
+        <p:cNvPr id="1" name=""/>
+        <p:cNvGrpSpPr/>
+        <p:nvPr/>
+      </p:nvGrpSpPr>
+      <p:grpSpPr>
+        <a:xfrm>
+          <a:off x="0" y="0"/>
+          <a:ext cx="0" cy="0"/>
+          <a:chOff x="0" y="0"/>
+          <a:chExt cx="0" cy="0"/>
+        </a:xfrm>
+      </p:grpSpPr>
+      <p:sp>
+        <p:nvSpPr>
+          <p:cNvPr id="4" name="Slide Number Placeholder 3">
+            <a:extLst>
+              <a:ext uri="{FF2B5EF4-FFF2-40B4-BE49-F238E27FC236}">
+                <a16:creationId xmlns:a16="http://schemas.microsoft.com/office/drawing/2014/main" xmlns="" id="{8597B9A3-768C-4924-A2AC-93EBE490577E}"/>
+              </a:ext>
+            </a:extLst>
+          </p:cNvPr>
+          <p:cNvSpPr>
+            <a:spLocks noGrp="1"/>
+          </p:cNvSpPr>
+          <p:nvPr>
+            <p:ph type="sldNum" sz="quarter" idx="12"/>
+          </p:nvPr>
+        </p:nvSpPr>
+        <p:spPr/>
+        <p:txBody>
+          <a:bodyPr/>
+          <a:lstStyle/>
+          <a:p>
+            <a:r>
+              <a:rPr lang="en-US" dirty="0" smtClean="0"/>
+              <a:t>4</a:t>
+            </a:r>
+            <a:r>
+              <a:rPr lang="en-US" dirty="0" smtClean="0"/>
+              <a:t>/12</a:t>
+            </a:r>
+            <a:endParaRPr lang="en-US" dirty="0"/>
+          </a:p>
+        </p:txBody>
+      </p:sp>
+      <p:sp>
+        <p:nvSpPr>
+          <p:cNvPr id="10" name="TextBox 9"/>
+          <p:cNvSpPr txBox="1"/>
+          <p:nvPr/>
+        </p:nvSpPr>
+        <p:spPr>
+          <a:xfrm>
+            <a:off x="902525" y="334085"/>
+            <a:ext cx="4199419" cy="1015663"/>
+          </a:xfrm>
+          <a:prstGeom prst="rect">
+            <a:avLst/>
+          </a:prstGeom>
+          <a:noFill/>
+        </p:spPr>
+        <p:txBody>
+          <a:bodyPr wrap="none" rtlCol="0">
+            <a:spAutoFit/>
+          </a:bodyPr>
+          <a:lstStyle/>
+          <a:p>
+            <a:r>
+              <a:rPr lang="en-US" sz="2400" dirty="0" smtClean="0"/>
+              <a:t>Consider the following problem:</a:t>
+            </a:r>
+          </a:p>
+          <a:p>
+            <a:endParaRPr lang="en-US" dirty="0"/>
+          </a:p>
+          <a:p>
+            <a:endParaRPr lang="en-US" dirty="0" smtClean="0"/>
+          </a:p>
+        </p:txBody>
+      </p:sp>
+      <p:sp>
+        <p:nvSpPr>
+          <p:cNvPr id="19" name="TextBox 18"/>
+          <p:cNvSpPr txBox="1"/>
+          <p:nvPr/>
+        </p:nvSpPr>
+        <p:spPr>
+          <a:xfrm>
+            <a:off x="878458" y="3836466"/>
+            <a:ext cx="2210926" cy="461665"/>
+          </a:xfrm>
+          <a:prstGeom prst="rect">
+            <a:avLst/>
+          </a:prstGeom>
+          <a:noFill/>
+        </p:spPr>
+        <p:txBody>
+          <a:bodyPr wrap="none" rtlCol="0">
+            <a:spAutoFit/>
+          </a:bodyPr>
+          <a:lstStyle/>
+          <a:p>
+            <a:r>
+              <a:rPr lang="en-US" sz="2400" dirty="0" smtClean="0"/>
+              <a:t>Mathematically:</a:t>
+            </a:r>
+            <a:endParaRPr lang="en-US" sz="2400" dirty="0"/>
+          </a:p>
+        </p:txBody>
+      </p:sp>
+      <p:grpSp>
+        <p:nvGrpSpPr>
+          <p:cNvPr id="31" name="Group 30"/>
+          <p:cNvGrpSpPr/>
+          <p:nvPr/>
+        </p:nvGrpSpPr>
+        <p:grpSpPr>
+          <a:xfrm>
+            <a:off x="2324122" y="733556"/>
+            <a:ext cx="6547123" cy="3063715"/>
+            <a:chOff x="2323109" y="3352280"/>
+            <a:chExt cx="6406245" cy="3311282"/>
+          </a:xfrm>
+        </p:grpSpPr>
+        <p:pic>
+          <p:nvPicPr>
+            <p:cNvPr id="23" name="Picture 22"/>
+            <p:cNvPicPr>
+              <a:picLocks noChangeAspect="1"/>
+            </p:cNvPicPr>
+            <p:nvPr/>
+          </p:nvPicPr>
+          <p:blipFill>
+            <a:blip r:embed="rId3">
+              <a:extLst>
+                <a:ext uri="{28A0092B-C50C-407E-A947-70E740481C1C}">
+                  <a14:useLocalDpi xmlns:a14="http://schemas.microsoft.com/office/drawing/2010/main" val="0"/>
+                </a:ext>
+              </a:extLst>
+            </a:blip>
+            <a:stretch>
+              <a:fillRect/>
+            </a:stretch>
+          </p:blipFill>
+          <p:spPr>
+            <a:xfrm>
+              <a:off x="2732425" y="3352280"/>
+              <a:ext cx="5996929" cy="3186632"/>
+            </a:xfrm>
+            <a:prstGeom prst="rect">
+              <a:avLst/>
+            </a:prstGeom>
+          </p:spPr>
+        </p:pic>
+        <p:grpSp>
+          <p:nvGrpSpPr>
+            <p:cNvPr id="30" name="Group 29"/>
+            <p:cNvGrpSpPr/>
+            <p:nvPr/>
+          </p:nvGrpSpPr>
+          <p:grpSpPr>
+            <a:xfrm>
+              <a:off x="2323109" y="3958793"/>
+              <a:ext cx="6406245" cy="2704769"/>
+              <a:chOff x="2323109" y="3958793"/>
+              <a:chExt cx="6406245" cy="2704769"/>
+            </a:xfrm>
+          </p:grpSpPr>
+          <p:pic>
+            <p:nvPicPr>
+              <p:cNvPr id="25" name="Picture 24"/>
+              <p:cNvPicPr>
+                <a:picLocks noChangeAspect="1"/>
+              </p:cNvPicPr>
+              <p:nvPr/>
+            </p:nvPicPr>
+            <p:blipFill>
+              <a:blip r:embed="rId4">
+                <a:extLst>
+                  <a:ext uri="{28A0092B-C50C-407E-A947-70E740481C1C}">
+                    <a14:useLocalDpi xmlns:a14="http://schemas.microsoft.com/office/drawing/2010/main" val="0"/>
+                  </a:ext>
+                </a:extLst>
+              </a:blip>
+              <a:stretch>
+                <a:fillRect/>
+              </a:stretch>
+            </p:blipFill>
+            <p:spPr>
+              <a:xfrm>
+                <a:off x="2323109" y="6300025"/>
+                <a:ext cx="900388" cy="363537"/>
+              </a:xfrm>
+              <a:prstGeom prst="rect">
+                <a:avLst/>
+              </a:prstGeom>
+            </p:spPr>
+          </p:pic>
+          <p:pic>
+            <p:nvPicPr>
+              <p:cNvPr id="27" name="Picture 26"/>
+              <p:cNvPicPr>
+                <a:picLocks noChangeAspect="1"/>
+              </p:cNvPicPr>
+              <p:nvPr/>
+            </p:nvPicPr>
+            <p:blipFill>
+              <a:blip r:embed="rId5">
+                <a:extLst>
+                  <a:ext uri="{28A0092B-C50C-407E-A947-70E740481C1C}">
+                    <a14:useLocalDpi xmlns:a14="http://schemas.microsoft.com/office/drawing/2010/main" val="0"/>
+                  </a:ext>
+                </a:extLst>
+              </a:blip>
+              <a:stretch>
+                <a:fillRect/>
+              </a:stretch>
+            </p:blipFill>
+            <p:spPr>
+              <a:xfrm>
+                <a:off x="4745346" y="5476339"/>
+                <a:ext cx="1540975" cy="360228"/>
+              </a:xfrm>
+              <a:prstGeom prst="rect">
+                <a:avLst/>
+              </a:prstGeom>
+            </p:spPr>
+          </p:pic>
+          <p:pic>
+            <p:nvPicPr>
+              <p:cNvPr id="28" name="Picture 27"/>
+              <p:cNvPicPr>
+                <a:picLocks noChangeAspect="1"/>
+              </p:cNvPicPr>
+              <p:nvPr/>
+            </p:nvPicPr>
+            <p:blipFill>
+              <a:blip r:embed="rId6">
+                <a:extLst>
+                  <a:ext uri="{28A0092B-C50C-407E-A947-70E740481C1C}">
+                    <a14:useLocalDpi xmlns:a14="http://schemas.microsoft.com/office/drawing/2010/main" val="0"/>
+                  </a:ext>
+                </a:extLst>
+              </a:blip>
+              <a:stretch>
+                <a:fillRect/>
+              </a:stretch>
+            </p:blipFill>
+            <p:spPr>
+              <a:xfrm>
+                <a:off x="7592434" y="3958793"/>
+                <a:ext cx="1136920" cy="340415"/>
+              </a:xfrm>
+              <a:prstGeom prst="rect">
+                <a:avLst/>
+              </a:prstGeom>
+            </p:spPr>
+          </p:pic>
+        </p:grpSp>
+      </p:grpSp>
+      <p:sp>
+        <p:nvSpPr>
+          <p:cNvPr id="32" name="TextBox 31"/>
+          <p:cNvSpPr txBox="1"/>
+          <p:nvPr/>
+        </p:nvSpPr>
+        <p:spPr>
+          <a:xfrm>
+            <a:off x="878458" y="5920258"/>
+            <a:ext cx="7878439" cy="461665"/>
+          </a:xfrm>
+          <a:prstGeom prst="rect">
+            <a:avLst/>
+          </a:prstGeom>
+          <a:noFill/>
+        </p:spPr>
+        <p:txBody>
+          <a:bodyPr wrap="none" rtlCol="0">
+            <a:spAutoFit/>
+          </a:bodyPr>
+          <a:lstStyle/>
+          <a:p>
+            <a:r>
+              <a:rPr lang="en-US" sz="2400" dirty="0" smtClean="0"/>
+              <a:t>This is referred to as a </a:t>
+            </a:r>
+            <a:r>
+              <a:rPr lang="en-US" sz="2400" b="1" dirty="0" smtClean="0"/>
+              <a:t>water wave problem </a:t>
+            </a:r>
+            <a:r>
+              <a:rPr lang="en-US" sz="2400" dirty="0" smtClean="0"/>
+              <a:t>on the whole line.</a:t>
+            </a:r>
+            <a:endParaRPr lang="en-US" sz="2400" dirty="0"/>
+          </a:p>
+        </p:txBody>
+      </p:sp>
+      <p:pic>
+        <p:nvPicPr>
+          <p:cNvPr id="13" name="Picture 12"/>
+          <p:cNvPicPr>
+            <a:picLocks noChangeAspect="1"/>
+          </p:cNvPicPr>
+          <p:nvPr/>
+        </p:nvPicPr>
+        <p:blipFill rotWithShape="1">
+          <a:blip r:embed="rId7">
+            <a:extLst>
+              <a:ext uri="{28A0092B-C50C-407E-A947-70E740481C1C}">
+                <a14:useLocalDpi xmlns:a14="http://schemas.microsoft.com/office/drawing/2010/main" val="0"/>
+              </a:ext>
+            </a:extLst>
+          </a:blip>
+          <a:srcRect l="15979"/>
+          <a:stretch/>
+        </p:blipFill>
+        <p:spPr>
+          <a:xfrm>
+            <a:off x="2131542" y="4194339"/>
+            <a:ext cx="9222258" cy="1773809"/>
+          </a:xfrm>
+          <a:prstGeom prst="rect">
+            <a:avLst/>
+          </a:prstGeom>
+        </p:spPr>
+      </p:pic>
+      <p:pic>
+        <p:nvPicPr>
+          <p:cNvPr id="6" name="Picture 5"/>
+          <p:cNvPicPr>
+            <a:picLocks noChangeAspect="1"/>
+          </p:cNvPicPr>
+          <p:nvPr/>
+        </p:nvPicPr>
+        <p:blipFill>
+          <a:blip r:embed="rId8">
+            <a:extLst>
+              <a:ext uri="{28A0092B-C50C-407E-A947-70E740481C1C}">
+                <a14:useLocalDpi xmlns:a14="http://schemas.microsoft.com/office/drawing/2010/main" val="0"/>
+              </a:ext>
+            </a:extLst>
+          </a:blip>
+          <a:stretch>
+            <a:fillRect/>
+          </a:stretch>
+        </p:blipFill>
+        <p:spPr>
+          <a:xfrm>
+            <a:off x="2324123" y="733556"/>
+            <a:ext cx="6660266" cy="3110520"/>
+          </a:xfrm>
+          <a:prstGeom prst="rect">
+            <a:avLst/>
+          </a:prstGeom>
+        </p:spPr>
+      </p:pic>
+    </p:spTree>
+    <p:extLst>
+      <p:ext uri="{BB962C8B-B14F-4D97-AF65-F5344CB8AC3E}">
+        <p14:creationId xmlns:p14="http://schemas.microsoft.com/office/powerpoint/2010/main" val="163336468"/>
+      </p:ext>
+    </p:extLst>
+  </p:cSld>
+  <p:clrMapOvr>
+    <a:masterClrMapping/>
+  </p:clrMapOvr>
+  <p:timing>
+    <p:tnLst>
+      <p:par>
+        <p:cTn id="1" dur="indefinite" restart="never" nodeType="tmRoot"/>
+      </p:par>
+    </p:tnLst>
+  </p:timing>
+</p:sld>
+</file>
+
+<file path=ppt/slides/slide7.xml><?xml version="1.0" encoding="utf-8"?>
+<p:sld xmlns:a="http://schemas.openxmlformats.org/drawingml/2006/main" xmlns:r="http://schemas.openxmlformats.org/officeDocument/2006/relationships" xmlns:p="http://schemas.openxmlformats.org/presentationml/2006/main">
+  <p:cSld>
+    <p:spTree>
+      <p:nvGrpSpPr>
+        <p:cNvPr id="1" name=""/>
+        <p:cNvGrpSpPr/>
+        <p:nvPr/>
+      </p:nvGrpSpPr>
+      <p:grpSpPr>
+        <a:xfrm>
+          <a:off x="0" y="0"/>
+          <a:ext cx="0" cy="0"/>
+          <a:chOff x="0" y="0"/>
+          <a:chExt cx="0" cy="0"/>
+        </a:xfrm>
+      </p:grpSpPr>
+      <p:sp>
+        <p:nvSpPr>
+          <p:cNvPr id="4" name="Slide Number Placeholder 3">
+            <a:extLst>
+              <a:ext uri="{FF2B5EF4-FFF2-40B4-BE49-F238E27FC236}">
+                <a16:creationId xmlns:a16="http://schemas.microsoft.com/office/drawing/2014/main" xmlns="" id="{8597B9A3-768C-4924-A2AC-93EBE490577E}"/>
+              </a:ext>
+            </a:extLst>
+          </p:cNvPr>
+          <p:cNvSpPr>
+            <a:spLocks noGrp="1"/>
+          </p:cNvSpPr>
+          <p:nvPr>
+            <p:ph type="sldNum" sz="quarter" idx="12"/>
+          </p:nvPr>
+        </p:nvSpPr>
+        <p:spPr/>
+        <p:txBody>
+          <a:bodyPr/>
+          <a:lstStyle/>
+          <a:p>
+            <a:r>
               <a:rPr lang="en-US" dirty="0"/>
+              <a:t>6</a:t>
+            </a:r>
+            <a:r>
+              <a:rPr lang="en-US" dirty="0" smtClean="0"/>
               <a:t>/12</a:t>
             </a:r>
+            <a:endParaRPr lang="en-US" dirty="0"/>
           </a:p>
         </p:txBody>
       </p:sp>
@@ -6673,8 +8508,8 @@
           </a:prstGeom>
         </p:spPr>
       </p:pic>
-      <mc:AlternateContent xmlns:mc="http://schemas.openxmlformats.org/markup-compatibility/2006">
-        <mc:Choice xmlns:a14="http://schemas.microsoft.com/office/drawing/2010/main" Requires="a14">
+      <mc:AlternateContent xmlns:mc="http://schemas.openxmlformats.org/markup-compatibility/2006" xmlns:a14="http://schemas.microsoft.com/office/drawing/2010/main">
+        <mc:Choice Requires="a14">
           <p:sp>
             <p:nvSpPr>
               <p:cNvPr id="6" name="TextBox 5"/>
@@ -6803,34 +8638,61 @@
               <a:p>
                 <a:r>
                   <a:rPr lang="en-US" sz="2400" dirty="0" smtClean="0"/>
-                  <a:t>So, in particular, we use separation of variables and perturbation expansion:</a:t>
+                  <a:t>So, in particular, we use</a:t>
                 </a:r>
-              </a:p>
-              <a:p>
-                <a:endParaRPr lang="en-US" sz="2400" dirty="0"/>
               </a:p>
               <a:p>
                 <a:endParaRPr lang="en-US" sz="2400" dirty="0" smtClean="0"/>
               </a:p>
               <a:p>
+                <a:pPr marL="342900" indent="-342900">
+                  <a:buFont typeface="Arial" charset="0"/>
+                  <a:buChar char="•"/>
+                </a:pPr>
+                <a:r>
+                  <a:rPr lang="en-US" sz="2400" dirty="0" smtClean="0"/>
+                  <a:t>separation of variables:</a:t>
+                </a:r>
+              </a:p>
+              <a:p>
+                <a:pPr marL="342900" indent="-342900">
+                  <a:buFont typeface="Arial" charset="0"/>
+                  <a:buChar char="•"/>
+                </a:pPr>
+                <a:endParaRPr lang="en-US" sz="2400" dirty="0" smtClean="0"/>
+              </a:p>
+              <a:p>
+                <a:pPr marL="342900" indent="-342900">
+                  <a:buFont typeface="Arial" charset="0"/>
+                  <a:buChar char="•"/>
+                </a:pPr>
+                <a:r>
+                  <a:rPr lang="en-US" sz="2400" dirty="0" smtClean="0"/>
+                  <a:t>perturbation expansion:</a:t>
+                </a:r>
                 <a:endParaRPr lang="en-US" sz="2400" dirty="0"/>
               </a:p>
               <a:p>
+                <a:pPr marL="342900" indent="-342900">
+                  <a:buFont typeface="Arial" charset="0"/>
+                  <a:buChar char="•"/>
+                </a:pPr>
                 <a:endParaRPr lang="en-US" sz="2400" dirty="0" smtClean="0"/>
               </a:p>
               <a:p>
-                <a:endParaRPr lang="en-US" sz="2400" dirty="0"/>
-              </a:p>
-              <a:p>
+                <a:pPr marL="342900" indent="-342900">
+                  <a:buFont typeface="Arial" charset="0"/>
+                  <a:buChar char="•"/>
+                </a:pPr>
                 <a:r>
                   <a:rPr lang="en-US" sz="2400" dirty="0" smtClean="0"/>
-                  <a:t>as well as introduce multiple scales:</a:t>
+                  <a:t>multiple time scales:</a:t>
                 </a:r>
               </a:p>
             </p:txBody>
           </p:sp>
         </mc:Choice>
-        <mc:Fallback>
+        <mc:Fallback xmlns="">
           <p:sp>
             <p:nvSpPr>
               <p:cNvPr id="6" name="TextBox 5"/>
@@ -6877,7 +8739,7 @@
           </p:cNvPicPr>
           <p:nvPr/>
         </p:nvPicPr>
-        <p:blipFill>
+        <p:blipFill rotWithShape="1">
           <a:blip r:embed="rId5">
             <a:extLst>
               <a:ext uri="{28A0092B-C50C-407E-A947-70E740481C1C}">
@@ -6885,14 +8747,13 @@
               </a:ext>
             </a:extLst>
           </a:blip>
-          <a:stretch>
-            <a:fillRect/>
-          </a:stretch>
+          <a:srcRect l="15269" t="-546" r="15195" b="51615"/>
+          <a:stretch/>
         </p:blipFill>
         <p:spPr>
           <a:xfrm>
-            <a:off x="3058517" y="3022601"/>
-            <a:ext cx="5046392" cy="1727545"/>
+            <a:off x="6060040" y="3108970"/>
+            <a:ext cx="3509010" cy="845312"/>
           </a:xfrm>
           <a:prstGeom prst="rect">
             <a:avLst/>
@@ -6921,8 +8782,37 @@
         </p:blipFill>
         <p:spPr>
           <a:xfrm>
-            <a:off x="3259755" y="5303995"/>
+            <a:off x="5616987" y="4735183"/>
             <a:ext cx="5736813" cy="531705"/>
+          </a:xfrm>
+          <a:prstGeom prst="rect">
+            <a:avLst/>
+          </a:prstGeom>
+        </p:spPr>
+      </p:pic>
+      <p:pic>
+        <p:nvPicPr>
+          <p:cNvPr id="11" name="Picture 10"/>
+          <p:cNvPicPr>
+            <a:picLocks noChangeAspect="1"/>
+          </p:cNvPicPr>
+          <p:nvPr/>
+        </p:nvPicPr>
+        <p:blipFill rotWithShape="1">
+          <a:blip r:embed="rId5">
+            <a:extLst>
+              <a:ext uri="{28A0092B-C50C-407E-A947-70E740481C1C}">
+                <a14:useLocalDpi xmlns:a14="http://schemas.microsoft.com/office/drawing/2010/main" val="0"/>
+              </a:ext>
+            </a:extLst>
+          </a:blip>
+          <a:srcRect l="25411" t="49934" r="7999" b="6398"/>
+          <a:stretch/>
+        </p:blipFill>
+        <p:spPr>
+          <a:xfrm>
+            <a:off x="6561080" y="3954282"/>
+            <a:ext cx="3360421" cy="754380"/>
           </a:xfrm>
           <a:prstGeom prst="rect">
             <a:avLst/>
@@ -6933,726 +8823,6 @@
     <p:extLst>
       <p:ext uri="{BB962C8B-B14F-4D97-AF65-F5344CB8AC3E}">
         <p14:creationId xmlns:p14="http://schemas.microsoft.com/office/powerpoint/2010/main" val="1756495123"/>
-      </p:ext>
-    </p:extLst>
-  </p:cSld>
-  <p:clrMapOvr>
-    <a:masterClrMapping/>
-  </p:clrMapOvr>
-  <p:timing>
-    <p:tnLst>
-      <p:par>
-        <p:cTn id="1" dur="indefinite" restart="never" nodeType="tmRoot"/>
-      </p:par>
-    </p:tnLst>
-  </p:timing>
-</p:sld>
-</file>
-
-<file path=ppt/slides/slide6.xml><?xml version="1.0" encoding="utf-8"?>
-<p:sld xmlns:a="http://schemas.openxmlformats.org/drawingml/2006/main" xmlns:r="http://schemas.openxmlformats.org/officeDocument/2006/relationships" xmlns:p="http://schemas.openxmlformats.org/presentationml/2006/main">
-  <p:cSld>
-    <p:spTree>
-      <p:nvGrpSpPr>
-        <p:cNvPr id="1" name=""/>
-        <p:cNvGrpSpPr/>
-        <p:nvPr/>
-      </p:nvGrpSpPr>
-      <p:grpSpPr>
-        <a:xfrm>
-          <a:off x="0" y="0"/>
-          <a:ext cx="0" cy="0"/>
-          <a:chOff x="0" y="0"/>
-          <a:chExt cx="0" cy="0"/>
-        </a:xfrm>
-      </p:grpSpPr>
-      <p:sp>
-        <p:nvSpPr>
-          <p:cNvPr id="2" name="Title 1">
-            <a:extLst>
-              <a:ext uri="{FF2B5EF4-FFF2-40B4-BE49-F238E27FC236}">
-                <a16:creationId xmlns:a16="http://schemas.microsoft.com/office/drawing/2014/main" xmlns="" id="{9A63FF76-6E01-4F14-B5E8-BCE699FDC948}"/>
-              </a:ext>
-            </a:extLst>
-          </p:cNvPr>
-          <p:cNvSpPr>
-            <a:spLocks noGrp="1"/>
-          </p:cNvSpPr>
-          <p:nvPr>
-            <p:ph type="ctrTitle"/>
-          </p:nvPr>
-        </p:nvSpPr>
-        <p:spPr/>
-        <p:txBody>
-          <a:bodyPr>
-            <a:noAutofit/>
-          </a:bodyPr>
-          <a:lstStyle/>
-          <a:p>
-            <a:r>
-              <a:rPr lang="en-US" sz="4400" dirty="0"/>
-              <a:t> </a:t>
-            </a:r>
-            <a:r>
-              <a:rPr lang="en-US" sz="4400" dirty="0">
-                <a:solidFill>
-                  <a:schemeClr val="bg1">
-                    <a:lumMod val="50000"/>
-                  </a:schemeClr>
-                </a:solidFill>
-              </a:rPr>
-              <a:t>Approximate expansions </a:t>
-            </a:r>
-            <a:r>
-              <a:rPr lang="en-US" sz="4400" dirty="0"/>
-              <a:t>for </a:t>
-            </a:r>
-            <a:r>
-              <a:rPr lang="en-US" sz="4400" dirty="0" smtClean="0"/>
-              <a:t>wave and </a:t>
-            </a:r>
-            <a:r>
-              <a:rPr lang="en-US" sz="4400" dirty="0" err="1"/>
-              <a:t>KdV</a:t>
-            </a:r>
-            <a:r>
-              <a:rPr lang="en-US" sz="4400" dirty="0"/>
-              <a:t> equations </a:t>
-            </a:r>
-            <a:r>
-              <a:rPr lang="en-US" sz="4400" dirty="0">
-                <a:solidFill>
-                  <a:schemeClr val="bg1">
-                    <a:lumMod val="50000"/>
-                  </a:schemeClr>
-                </a:solidFill>
-              </a:rPr>
-              <a:t>via the velocity potential and non-local </a:t>
-            </a:r>
-            <a:r>
-              <a:rPr lang="en-US" sz="4400" dirty="0" smtClean="0">
-                <a:solidFill>
-                  <a:schemeClr val="bg1">
-                    <a:lumMod val="50000"/>
-                  </a:schemeClr>
-                </a:solidFill>
-              </a:rPr>
-              <a:t>formulations</a:t>
-            </a:r>
-            <a:endParaRPr lang="en-US" sz="4400" dirty="0">
-              <a:solidFill>
-                <a:schemeClr val="bg1">
-                  <a:lumMod val="50000"/>
-                </a:schemeClr>
-              </a:solidFill>
-            </a:endParaRPr>
-          </a:p>
-        </p:txBody>
-      </p:sp>
-      <p:sp>
-        <p:nvSpPr>
-          <p:cNvPr id="3" name="Subtitle 2">
-            <a:extLst>
-              <a:ext uri="{FF2B5EF4-FFF2-40B4-BE49-F238E27FC236}">
-                <a16:creationId xmlns:a16="http://schemas.microsoft.com/office/drawing/2014/main" xmlns="" id="{76D6B4C6-BC50-4772-B971-02A14CBA2F37}"/>
-              </a:ext>
-            </a:extLst>
-          </p:cNvPr>
-          <p:cNvSpPr>
-            <a:spLocks noGrp="1"/>
-          </p:cNvSpPr>
-          <p:nvPr>
-            <p:ph type="subTitle" idx="1"/>
-          </p:nvPr>
-        </p:nvSpPr>
-        <p:spPr/>
-        <p:txBody>
-          <a:bodyPr>
-            <a:normAutofit lnSpcReduction="10000"/>
-          </a:bodyPr>
-          <a:lstStyle/>
-          <a:p>
-            <a:r>
-              <a:rPr lang="en-US" dirty="0" smtClean="0">
-                <a:solidFill>
-                  <a:schemeClr val="bg1">
-                    <a:lumMod val="50000"/>
-                  </a:schemeClr>
-                </a:solidFill>
-              </a:rPr>
-              <a:t>Sultan AITZHAN, </a:t>
-            </a:r>
-            <a:r>
-              <a:rPr lang="en-US" dirty="0">
-                <a:solidFill>
-                  <a:schemeClr val="bg1">
-                    <a:lumMod val="50000"/>
-                  </a:schemeClr>
-                </a:solidFill>
-              </a:rPr>
-              <a:t>Yale-NUS College</a:t>
-            </a:r>
-          </a:p>
-          <a:p>
-            <a:r>
-              <a:rPr lang="en-US" dirty="0">
-                <a:solidFill>
-                  <a:schemeClr val="bg1">
-                    <a:lumMod val="50000"/>
-                  </a:schemeClr>
-                </a:solidFill>
-              </a:rPr>
-              <a:t>Supervisor: Prof. </a:t>
-            </a:r>
-            <a:r>
-              <a:rPr lang="en-US" dirty="0" smtClean="0">
-                <a:solidFill>
-                  <a:schemeClr val="bg1">
-                    <a:lumMod val="50000"/>
-                  </a:schemeClr>
-                </a:solidFill>
-              </a:rPr>
-              <a:t>Katie </a:t>
-            </a:r>
-            <a:r>
-              <a:rPr lang="en-US" dirty="0" err="1" smtClean="0">
-                <a:solidFill>
-                  <a:schemeClr val="bg1">
-                    <a:lumMod val="50000"/>
-                  </a:schemeClr>
-                </a:solidFill>
-              </a:rPr>
-              <a:t>Oliveras</a:t>
-            </a:r>
-            <a:endParaRPr lang="en-US" dirty="0" smtClean="0">
-              <a:solidFill>
-                <a:schemeClr val="bg1">
-                  <a:lumMod val="50000"/>
-                </a:schemeClr>
-              </a:solidFill>
-            </a:endParaRPr>
-          </a:p>
-          <a:p>
-            <a:r>
-              <a:rPr lang="en-US" dirty="0" smtClean="0">
-                <a:solidFill>
-                  <a:schemeClr val="bg1">
-                    <a:lumMod val="50000"/>
-                  </a:schemeClr>
-                </a:solidFill>
-              </a:rPr>
-              <a:t>Co-Supervisor: Prof. Dave Smith</a:t>
-            </a:r>
-            <a:endParaRPr lang="en-US" dirty="0">
-              <a:solidFill>
-                <a:schemeClr val="bg1">
-                  <a:lumMod val="50000"/>
-                </a:schemeClr>
-              </a:solidFill>
-            </a:endParaRPr>
-          </a:p>
-          <a:p>
-            <a:r>
-              <a:rPr lang="en-US" dirty="0" smtClean="0">
-                <a:solidFill>
-                  <a:schemeClr val="bg1">
-                    <a:lumMod val="50000"/>
-                  </a:schemeClr>
-                </a:solidFill>
-              </a:rPr>
-              <a:t>Nov 6</a:t>
-            </a:r>
-            <a:r>
-              <a:rPr lang="en-US" dirty="0" smtClean="0">
-                <a:solidFill>
-                  <a:schemeClr val="bg1">
-                    <a:lumMod val="50000"/>
-                  </a:schemeClr>
-                </a:solidFill>
-              </a:rPr>
-              <a:t>, 2019</a:t>
-            </a:r>
-            <a:endParaRPr lang="en-US" dirty="0">
-              <a:solidFill>
-                <a:schemeClr val="bg1">
-                  <a:lumMod val="50000"/>
-                </a:schemeClr>
-              </a:solidFill>
-            </a:endParaRPr>
-          </a:p>
-        </p:txBody>
-      </p:sp>
-      <p:sp>
-        <p:nvSpPr>
-          <p:cNvPr id="4" name="Slide Number Placeholder 3">
-            <a:extLst>
-              <a:ext uri="{FF2B5EF4-FFF2-40B4-BE49-F238E27FC236}">
-                <a16:creationId xmlns:a16="http://schemas.microsoft.com/office/drawing/2014/main" xmlns="" id="{4944FC19-3050-4B71-977A-DAA6F37AB0DF}"/>
-              </a:ext>
-            </a:extLst>
-          </p:cNvPr>
-          <p:cNvSpPr>
-            <a:spLocks noGrp="1"/>
-          </p:cNvSpPr>
-          <p:nvPr>
-            <p:ph type="sldNum" sz="quarter" idx="12"/>
-          </p:nvPr>
-        </p:nvSpPr>
-        <p:spPr/>
-        <p:txBody>
-          <a:bodyPr/>
-          <a:lstStyle/>
-          <a:p>
-            <a:fld id="{F3332EFC-B9C2-4EF3-A733-16B7EBFB30C8}" type="slidenum">
-              <a:rPr lang="en-US" smtClean="0"/>
-              <a:t>6</a:t>
-            </a:fld>
-            <a:r>
-              <a:rPr lang="en-US" dirty="0" smtClean="0"/>
-              <a:t>/12</a:t>
-            </a:r>
-            <a:endParaRPr lang="en-US" dirty="0"/>
-          </a:p>
-        </p:txBody>
-      </p:sp>
-    </p:spTree>
-    <p:extLst>
-      <p:ext uri="{BB962C8B-B14F-4D97-AF65-F5344CB8AC3E}">
-        <p14:creationId xmlns:p14="http://schemas.microsoft.com/office/powerpoint/2010/main" val="1285062608"/>
-      </p:ext>
-    </p:extLst>
-  </p:cSld>
-  <p:clrMapOvr>
-    <a:masterClrMapping/>
-  </p:clrMapOvr>
-  <p:timing>
-    <p:tnLst>
-      <p:par>
-        <p:cTn id="1" dur="indefinite" restart="never" nodeType="tmRoot"/>
-      </p:par>
-    </p:tnLst>
-  </p:timing>
-</p:sld>
-</file>
-
-<file path=ppt/slides/slide7.xml><?xml version="1.0" encoding="utf-8"?>
-<p:sld xmlns:a="http://schemas.openxmlformats.org/drawingml/2006/main" xmlns:r="http://schemas.openxmlformats.org/officeDocument/2006/relationships" xmlns:p="http://schemas.openxmlformats.org/presentationml/2006/main">
-  <p:cSld>
-    <p:spTree>
-      <p:nvGrpSpPr>
-        <p:cNvPr id="1" name=""/>
-        <p:cNvGrpSpPr/>
-        <p:nvPr/>
-      </p:nvGrpSpPr>
-      <p:grpSpPr>
-        <a:xfrm>
-          <a:off x="0" y="0"/>
-          <a:ext cx="0" cy="0"/>
-          <a:chOff x="0" y="0"/>
-          <a:chExt cx="0" cy="0"/>
-        </a:xfrm>
-      </p:grpSpPr>
-      <p:sp>
-        <p:nvSpPr>
-          <p:cNvPr id="4" name="Slide Number Placeholder 3">
-            <a:extLst>
-              <a:ext uri="{FF2B5EF4-FFF2-40B4-BE49-F238E27FC236}">
-                <a16:creationId xmlns:a16="http://schemas.microsoft.com/office/drawing/2014/main" xmlns="" id="{8597B9A3-768C-4924-A2AC-93EBE490577E}"/>
-              </a:ext>
-            </a:extLst>
-          </p:cNvPr>
-          <p:cNvSpPr>
-            <a:spLocks noGrp="1"/>
-          </p:cNvSpPr>
-          <p:nvPr>
-            <p:ph type="sldNum" sz="quarter" idx="12"/>
-          </p:nvPr>
-        </p:nvSpPr>
-        <p:spPr/>
-        <p:txBody>
-          <a:bodyPr/>
-          <a:lstStyle/>
-          <a:p>
-            <a:fld id="{F3332EFC-B9C2-4EF3-A733-16B7EBFB30C8}" type="slidenum">
-              <a:rPr lang="en-US" smtClean="0"/>
-              <a:t>7</a:t>
-            </a:fld>
-            <a:r>
-              <a:rPr lang="en-US" dirty="0"/>
-              <a:t>/12</a:t>
-            </a:r>
-          </a:p>
-        </p:txBody>
-      </p:sp>
-      <mc:AlternateContent xmlns:mc="http://schemas.openxmlformats.org/markup-compatibility/2006">
-        <mc:Choice xmlns:a14="http://schemas.microsoft.com/office/drawing/2010/main" Requires="a14">
-          <p:sp>
-            <p:nvSpPr>
-              <p:cNvPr id="10" name="TextBox 9"/>
-              <p:cNvSpPr txBox="1"/>
-              <p:nvPr/>
-            </p:nvSpPr>
-            <p:spPr>
-              <a:xfrm>
-                <a:off x="902524" y="334085"/>
-                <a:ext cx="10790711" cy="2585323"/>
-              </a:xfrm>
-              <a:prstGeom prst="rect">
-                <a:avLst/>
-              </a:prstGeom>
-              <a:noFill/>
-            </p:spPr>
-            <p:txBody>
-              <a:bodyPr wrap="square" rtlCol="0">
-                <a:spAutoFit/>
-              </a:bodyPr>
-              <a:lstStyle/>
-              <a:p>
-                <a:r>
-                  <a:rPr lang="en-US" sz="2400" dirty="0" smtClean="0"/>
-                  <a:t>In the lowest power of </a:t>
-                </a:r>
-                <a14:m>
-                  <m:oMath xmlns:m="http://schemas.openxmlformats.org/officeDocument/2006/math">
-                    <m:r>
-                      <a:rPr lang="en-US" sz="2400" b="0" i="1" smtClean="0">
-                        <a:latin typeface="Cambria Math" charset="0"/>
-                      </a:rPr>
-                      <m:t>𝜖</m:t>
-                    </m:r>
-                  </m:oMath>
-                </a14:m>
-                <a:r>
-                  <a:rPr lang="en-US" dirty="0" smtClean="0"/>
-                  <a:t>, </a:t>
-                </a:r>
-                <a:r>
-                  <a:rPr lang="en-US" sz="2400" dirty="0" smtClean="0"/>
-                  <a:t>we get the following two equations:</a:t>
-                </a:r>
-              </a:p>
-              <a:p>
-                <a:endParaRPr lang="en-US" sz="2400" dirty="0"/>
-              </a:p>
-              <a:p>
-                <a:endParaRPr lang="en-US" sz="2400" dirty="0" smtClean="0"/>
-              </a:p>
-              <a:p>
-                <a:endParaRPr lang="en-US" sz="2400" dirty="0"/>
-              </a:p>
-              <a:p>
-                <a:endParaRPr lang="en-US" sz="2400" dirty="0" smtClean="0"/>
-              </a:p>
-              <a:p>
-                <a:r>
-                  <a:rPr lang="en-US" sz="2400" dirty="0" smtClean="0"/>
-                  <a:t>which are </a:t>
-                </a:r>
-                <a:r>
-                  <a:rPr lang="en-US" sz="2400" b="1" dirty="0" smtClean="0"/>
-                  <a:t>wave equations </a:t>
-                </a:r>
-                <a:r>
-                  <a:rPr lang="en-US" sz="2400" dirty="0" smtClean="0"/>
-                  <a:t>with velocity 1, and whose general solutions are:</a:t>
-                </a:r>
-                <a:endParaRPr lang="en-US" dirty="0"/>
-              </a:p>
-              <a:p>
-                <a:endParaRPr lang="en-US" dirty="0" smtClean="0"/>
-              </a:p>
-            </p:txBody>
-          </p:sp>
-        </mc:Choice>
-        <mc:Fallback>
-          <p:sp>
-            <p:nvSpPr>
-              <p:cNvPr id="10" name="TextBox 9"/>
-              <p:cNvSpPr txBox="1">
-                <a:spLocks noRot="1" noChangeAspect="1" noMove="1" noResize="1" noEditPoints="1" noAdjustHandles="1" noChangeArrowheads="1" noChangeShapeType="1" noTextEdit="1"/>
-              </p:cNvSpPr>
-              <p:nvPr/>
-            </p:nvSpPr>
-            <p:spPr>
-              <a:xfrm>
-                <a:off x="902524" y="334085"/>
-                <a:ext cx="10790711" cy="2585323"/>
-              </a:xfrm>
-              <a:prstGeom prst="rect">
-                <a:avLst/>
-              </a:prstGeom>
-              <a:blipFill rotWithShape="0">
-                <a:blip r:embed="rId3"/>
-                <a:stretch>
-                  <a:fillRect l="-847" t="-1887"/>
-                </a:stretch>
-              </a:blipFill>
-            </p:spPr>
-            <p:txBody>
-              <a:bodyPr/>
-              <a:lstStyle/>
-              <a:p>
-                <a:r>
-                  <a:rPr lang="en-US">
-                    <a:noFill/>
-                  </a:rPr>
-                  <a:t> </a:t>
-                </a:r>
-              </a:p>
-            </p:txBody>
-          </p:sp>
-        </mc:Fallback>
-      </mc:AlternateContent>
-      <p:pic>
-        <p:nvPicPr>
-          <p:cNvPr id="3" name="Picture 2"/>
-          <p:cNvPicPr>
-            <a:picLocks noChangeAspect="1"/>
-          </p:cNvPicPr>
-          <p:nvPr/>
-        </p:nvPicPr>
-        <p:blipFill>
-          <a:blip r:embed="rId4">
-            <a:extLst>
-              <a:ext uri="{28A0092B-C50C-407E-A947-70E740481C1C}">
-                <a14:useLocalDpi xmlns:a14="http://schemas.microsoft.com/office/drawing/2010/main" val="0"/>
-              </a:ext>
-            </a:extLst>
-          </a:blip>
-          <a:stretch>
-            <a:fillRect/>
-          </a:stretch>
-        </p:blipFill>
-        <p:spPr>
-          <a:xfrm>
-            <a:off x="4404302" y="750534"/>
-            <a:ext cx="2976418" cy="1502170"/>
-          </a:xfrm>
-          <a:prstGeom prst="rect">
-            <a:avLst/>
-          </a:prstGeom>
-        </p:spPr>
-      </p:pic>
-      <p:pic>
-        <p:nvPicPr>
-          <p:cNvPr id="5" name="Picture 4"/>
-          <p:cNvPicPr>
-            <a:picLocks noChangeAspect="1"/>
-          </p:cNvPicPr>
-          <p:nvPr/>
-        </p:nvPicPr>
-        <p:blipFill>
-          <a:blip r:embed="rId5">
-            <a:extLst>
-              <a:ext uri="{28A0092B-C50C-407E-A947-70E740481C1C}">
-                <a14:useLocalDpi xmlns:a14="http://schemas.microsoft.com/office/drawing/2010/main" val="0"/>
-              </a:ext>
-            </a:extLst>
-          </a:blip>
-          <a:stretch>
-            <a:fillRect/>
-          </a:stretch>
-        </p:blipFill>
-        <p:spPr>
-          <a:xfrm>
-            <a:off x="1376918" y="2731376"/>
-            <a:ext cx="9031185" cy="417157"/>
-          </a:xfrm>
-          <a:prstGeom prst="rect">
-            <a:avLst/>
-          </a:prstGeom>
-        </p:spPr>
-      </p:pic>
-      <mc:AlternateContent xmlns:mc="http://schemas.openxmlformats.org/markup-compatibility/2006">
-        <mc:Choice xmlns:a14="http://schemas.microsoft.com/office/drawing/2010/main" Requires="a14">
-          <p:sp>
-            <p:nvSpPr>
-              <p:cNvPr id="7" name="TextBox 6"/>
-              <p:cNvSpPr txBox="1"/>
-              <p:nvPr/>
-            </p:nvSpPr>
-            <p:spPr>
-              <a:xfrm>
-                <a:off x="925796" y="3295779"/>
-                <a:ext cx="6697090" cy="1569660"/>
-              </a:xfrm>
-              <a:prstGeom prst="rect">
-                <a:avLst/>
-              </a:prstGeom>
-              <a:noFill/>
-            </p:spPr>
-            <p:txBody>
-              <a:bodyPr wrap="none" rtlCol="0">
-                <a:spAutoFit/>
-              </a:bodyPr>
-              <a:lstStyle/>
-              <a:p>
-                <a:r>
-                  <a:rPr lang="en-US" sz="2400" dirty="0" smtClean="0"/>
-                  <a:t>In the next power of </a:t>
-                </a:r>
-                <a14:m>
-                  <m:oMath xmlns:m="http://schemas.openxmlformats.org/officeDocument/2006/math">
-                    <m:r>
-                      <a:rPr lang="en-US" sz="2400" b="0" i="1" smtClean="0">
-                        <a:latin typeface="Cambria Math" charset="0"/>
-                      </a:rPr>
-                      <m:t>𝜖</m:t>
-                    </m:r>
-                  </m:oMath>
-                </a14:m>
-                <a:r>
-                  <a:rPr lang="en-US" sz="2400" dirty="0" smtClean="0"/>
-                  <a:t>, letting </a:t>
-                </a:r>
-              </a:p>
-              <a:p>
-                <a:endParaRPr lang="en-US" sz="2400" dirty="0"/>
-              </a:p>
-              <a:p>
-                <a:endParaRPr lang="en-US" sz="2400" dirty="0"/>
-              </a:p>
-              <a:p>
-                <a:r>
-                  <a:rPr lang="en-US" sz="2400" dirty="0" smtClean="0"/>
-                  <a:t>we obtain two </a:t>
-                </a:r>
-                <a:r>
-                  <a:rPr lang="en-US" sz="2400" b="1" dirty="0" err="1" smtClean="0"/>
-                  <a:t>Korteweg</a:t>
-                </a:r>
-                <a:r>
-                  <a:rPr lang="en-US" sz="2400" b="1" dirty="0" smtClean="0"/>
-                  <a:t> de </a:t>
-                </a:r>
-                <a:r>
-                  <a:rPr lang="en-US" sz="2400" b="1" dirty="0" err="1" smtClean="0"/>
-                  <a:t>Vries</a:t>
-                </a:r>
-                <a:r>
-                  <a:rPr lang="en-US" sz="2400" b="1" dirty="0" smtClean="0"/>
-                  <a:t> (</a:t>
-                </a:r>
-                <a:r>
-                  <a:rPr lang="en-US" sz="2400" b="1" dirty="0" err="1" smtClean="0"/>
-                  <a:t>KdV</a:t>
-                </a:r>
-                <a:r>
-                  <a:rPr lang="en-US" sz="2400" b="1" dirty="0" smtClean="0"/>
-                  <a:t>) equations</a:t>
-                </a:r>
-                <a:r>
-                  <a:rPr lang="en-US" sz="2400" dirty="0" smtClean="0"/>
-                  <a:t>:  </a:t>
-                </a:r>
-                <a:endParaRPr lang="en-US" sz="2400" dirty="0"/>
-              </a:p>
-            </p:txBody>
-          </p:sp>
-        </mc:Choice>
-        <mc:Fallback>
-          <p:sp>
-            <p:nvSpPr>
-              <p:cNvPr id="7" name="TextBox 6"/>
-              <p:cNvSpPr txBox="1">
-                <a:spLocks noRot="1" noChangeAspect="1" noMove="1" noResize="1" noEditPoints="1" noAdjustHandles="1" noChangeArrowheads="1" noChangeShapeType="1" noTextEdit="1"/>
-              </p:cNvSpPr>
-              <p:nvPr/>
-            </p:nvSpPr>
-            <p:spPr>
-              <a:xfrm>
-                <a:off x="925796" y="3295779"/>
-                <a:ext cx="6697090" cy="1569660"/>
-              </a:xfrm>
-              <a:prstGeom prst="rect">
-                <a:avLst/>
-              </a:prstGeom>
-              <a:blipFill rotWithShape="0">
-                <a:blip r:embed="rId6"/>
-                <a:stretch>
-                  <a:fillRect l="-1457" t="-3113" r="-455" b="-8171"/>
-                </a:stretch>
-              </a:blipFill>
-            </p:spPr>
-            <p:txBody>
-              <a:bodyPr/>
-              <a:lstStyle/>
-              <a:p>
-                <a:r>
-                  <a:rPr lang="en-US">
-                    <a:noFill/>
-                  </a:rPr>
-                  <a:t> </a:t>
-                </a:r>
-              </a:p>
-            </p:txBody>
-          </p:sp>
-        </mc:Fallback>
-      </mc:AlternateContent>
-      <p:pic>
-        <p:nvPicPr>
-          <p:cNvPr id="11" name="Picture 10"/>
-          <p:cNvPicPr>
-            <a:picLocks noChangeAspect="1"/>
-          </p:cNvPicPr>
-          <p:nvPr/>
-        </p:nvPicPr>
-        <p:blipFill>
-          <a:blip r:embed="rId7">
-            <a:extLst>
-              <a:ext uri="{28A0092B-C50C-407E-A947-70E740481C1C}">
-                <a14:useLocalDpi xmlns:a14="http://schemas.microsoft.com/office/drawing/2010/main" val="0"/>
-              </a:ext>
-            </a:extLst>
-          </a:blip>
-          <a:stretch>
-            <a:fillRect/>
-          </a:stretch>
-        </p:blipFill>
-        <p:spPr>
-          <a:xfrm>
-            <a:off x="4625687" y="3751710"/>
-            <a:ext cx="3589220" cy="612472"/>
-          </a:xfrm>
-          <a:prstGeom prst="rect">
-            <a:avLst/>
-          </a:prstGeom>
-        </p:spPr>
-      </p:pic>
-      <p:pic>
-        <p:nvPicPr>
-          <p:cNvPr id="12" name="Picture 11"/>
-          <p:cNvPicPr>
-            <a:picLocks noChangeAspect="1"/>
-          </p:cNvPicPr>
-          <p:nvPr/>
-        </p:nvPicPr>
-        <p:blipFill>
-          <a:blip r:embed="rId8">
-            <a:extLst>
-              <a:ext uri="{28A0092B-C50C-407E-A947-70E740481C1C}">
-                <a14:useLocalDpi xmlns:a14="http://schemas.microsoft.com/office/drawing/2010/main" val="0"/>
-              </a:ext>
-            </a:extLst>
-          </a:blip>
-          <a:stretch>
-            <a:fillRect/>
-          </a:stretch>
-        </p:blipFill>
-        <p:spPr>
-          <a:xfrm>
-            <a:off x="4223905" y="5012685"/>
-            <a:ext cx="3398981" cy="1566023"/>
-          </a:xfrm>
-          <a:prstGeom prst="rect">
-            <a:avLst/>
-          </a:prstGeom>
-        </p:spPr>
-      </p:pic>
-    </p:spTree>
-    <p:extLst>
-      <p:ext uri="{BB962C8B-B14F-4D97-AF65-F5344CB8AC3E}">
-        <p14:creationId xmlns:p14="http://schemas.microsoft.com/office/powerpoint/2010/main" val="2136300803"/>
       </p:ext>
     </p:extLst>
   </p:cSld>
@@ -7721,7 +8891,33 @@
                   </a:schemeClr>
                 </a:solidFill>
               </a:rPr>
-              <a:t>Approximate expansions for </a:t>
+              <a:t>Approximate expansions </a:t>
+            </a:r>
+            <a:r>
+              <a:rPr lang="en-US" sz="4400" dirty="0"/>
+              <a:t>for </a:t>
+            </a:r>
+            <a:r>
+              <a:rPr lang="en-US" sz="4400" dirty="0" smtClean="0"/>
+              <a:t>wave and </a:t>
+            </a:r>
+            <a:r>
+              <a:rPr lang="en-US" sz="4400" dirty="0" err="1"/>
+              <a:t>KdV</a:t>
+            </a:r>
+            <a:r>
+              <a:rPr lang="en-US" sz="4400" dirty="0"/>
+              <a:t> equations </a:t>
+            </a:r>
+            <a:r>
+              <a:rPr lang="en-US" sz="4400" dirty="0">
+                <a:solidFill>
+                  <a:schemeClr val="bg1">
+                    <a:lumMod val="50000"/>
+                  </a:schemeClr>
+                </a:solidFill>
+              </a:rPr>
+              <a:t>via the velocity potential and non-local </a:t>
             </a:r>
             <a:r>
               <a:rPr lang="en-US" sz="4400" dirty="0" smtClean="0">
@@ -7731,37 +8927,15 @@
                   </a:schemeClr>
                 </a:solidFill>
               </a:rPr>
-              <a:t>wave and </a:t>
-            </a:r>
-            <a:r>
-              <a:rPr lang="en-US" sz="4400" dirty="0" err="1">
-                <a:solidFill>
-                  <a:schemeClr val="bg1">
-                    <a:lumMod val="50000"/>
-                  </a:schemeClr>
-                </a:solidFill>
-              </a:rPr>
-              <a:t>KdV</a:t>
-            </a:r>
-            <a:r>
-              <a:rPr lang="en-US" sz="4400" dirty="0">
-                <a:solidFill>
-                  <a:schemeClr val="bg1">
-                    <a:lumMod val="50000"/>
-                  </a:schemeClr>
-                </a:solidFill>
-              </a:rPr>
-              <a:t> equations via the velocity potential and </a:t>
-            </a:r>
-            <a:r>
-              <a:rPr lang="en-US" sz="4400" dirty="0"/>
-              <a:t>non-local </a:t>
-            </a:r>
-            <a:r>
-              <a:rPr lang="en-US" sz="4400" dirty="0" smtClean="0"/>
               <a:t>formulations</a:t>
             </a:r>
-            <a:endParaRPr lang="en-US" sz="4400" dirty="0"/>
+            <a:endParaRPr lang="en-US" sz="4400" dirty="0">
+              <a:solidFill>
+                <a:schemeClr val="bg1">
+                  <a:lumMod val="50000"/>
+                </a:schemeClr>
+              </a:solidFill>
+            </a:endParaRPr>
           </a:p>
         </p:txBody>
       </p:sp>
@@ -7876,17 +9050,7 @@
                   </a:schemeClr>
                 </a:solidFill>
               </a:rPr>
-              <a:t>Nov 6</a:t>
-            </a:r>
-            <a:r>
-              <a:rPr lang="en-US" dirty="0" smtClean="0">
-                <a:solidFill>
-                  <a:schemeClr val="bg1">
-                    <a:lumMod val="50000"/>
-                  </a:schemeClr>
-                </a:solidFill>
-              </a:rPr>
-              <a:t>, 2019</a:t>
+              <a:t>Nov 6, 2019</a:t>
             </a:r>
             <a:endParaRPr lang="en-US" dirty="0">
               <a:solidFill>
@@ -7919,10 +9083,10 @@
           <a:bodyPr/>
           <a:lstStyle/>
           <a:p>
-            <a:fld id="{F3332EFC-B9C2-4EF3-A733-16B7EBFB30C8}" type="slidenum">
-              <a:rPr lang="en-US" smtClean="0"/>
-              <a:t>8</a:t>
-            </a:fld>
+            <a:r>
+              <a:rPr lang="en-US" dirty="0"/>
+              <a:t>7</a:t>
+            </a:r>
             <a:r>
               <a:rPr lang="en-US" dirty="0" smtClean="0"/>
               <a:t>/12</a:t>
@@ -7934,7 +9098,7 @@
     </p:spTree>
     <p:extLst>
       <p:ext uri="{BB962C8B-B14F-4D97-AF65-F5344CB8AC3E}">
-        <p14:creationId xmlns:p14="http://schemas.microsoft.com/office/powerpoint/2010/main" val="804214777"/>
+        <p14:creationId xmlns:p14="http://schemas.microsoft.com/office/powerpoint/2010/main" val="1285062608"/>
       </p:ext>
     </p:extLst>
   </p:cSld>
@@ -7970,10 +9134,10 @@
       </p:grpSpPr>
       <p:sp>
         <p:nvSpPr>
-          <p:cNvPr id="2" name="Title 1">
+          <p:cNvPr id="4" name="Slide Number Placeholder 3">
             <a:extLst>
               <a:ext uri="{FF2B5EF4-FFF2-40B4-BE49-F238E27FC236}">
-                <a16:creationId xmlns:a16="http://schemas.microsoft.com/office/drawing/2014/main" xmlns="" id="{2EB59BB1-CD0A-4244-8DEF-DD3CD08C78A2}"/>
+                <a16:creationId xmlns:a16="http://schemas.microsoft.com/office/drawing/2014/main" xmlns="" id="{8597B9A3-768C-4924-A2AC-93EBE490577E}"/>
               </a:ext>
             </a:extLst>
           </p:cNvPr>
@@ -7981,7 +9145,7 @@
             <a:spLocks noGrp="1"/>
           </p:cNvSpPr>
           <p:nvPr>
-            <p:ph type="title"/>
+            <p:ph type="sldNum" sz="quarter" idx="12"/>
           </p:nvPr>
         </p:nvSpPr>
         <p:spPr/>
@@ -7991,105 +9155,67 @@
           <a:p>
             <a:r>
               <a:rPr lang="en-US" dirty="0"/>
-              <a:t>Capstone outline</a:t>
-            </a:r>
-          </a:p>
-        </p:txBody>
-      </p:sp>
-      <p:sp>
-        <p:nvSpPr>
-          <p:cNvPr id="3" name="Content Placeholder 2">
-            <a:extLst>
-              <a:ext uri="{FF2B5EF4-FFF2-40B4-BE49-F238E27FC236}">
-                <a16:creationId xmlns:a16="http://schemas.microsoft.com/office/drawing/2014/main" xmlns="" id="{D215A1B0-7E78-4C4C-AF67-5ACD0A22475E}"/>
-              </a:ext>
-            </a:extLst>
-          </p:cNvPr>
-          <p:cNvSpPr>
-            <a:spLocks noGrp="1"/>
-          </p:cNvSpPr>
-          <p:nvPr>
-            <p:ph idx="1"/>
-          </p:nvPr>
+              <a:t>6</a:t>
+            </a:r>
+            <a:r>
+              <a:rPr lang="en-US" dirty="0" smtClean="0"/>
+              <a:t>/12</a:t>
+            </a:r>
+            <a:endParaRPr lang="en-US" dirty="0"/>
+          </a:p>
+        </p:txBody>
+      </p:sp>
+      <p:sp>
+        <p:nvSpPr>
+          <p:cNvPr id="10" name="TextBox 9"/>
+          <p:cNvSpPr txBox="1"/>
+          <p:nvPr/>
         </p:nvSpPr>
         <p:spPr>
           <a:xfrm>
-            <a:off x="838200" y="1825625"/>
-            <a:ext cx="10515600" cy="876011"/>
+            <a:off x="902525" y="334085"/>
+            <a:ext cx="10878491" cy="1015663"/>
           </a:xfrm>
+          <a:prstGeom prst="rect">
+            <a:avLst/>
+          </a:prstGeom>
+          <a:noFill/>
         </p:spPr>
         <p:txBody>
-          <a:bodyPr/>
-          <a:lstStyle/>
-          <a:p>
-            <a:r>
-              <a:rPr lang="en-US" b="1" dirty="0" smtClean="0"/>
-              <a:t>G</a:t>
-            </a:r>
-            <a:r>
-              <a:rPr lang="en-US" b="1" dirty="0" smtClean="0"/>
-              <a:t>oal 1:</a:t>
-            </a:r>
-            <a:r>
-              <a:rPr lang="en-US" dirty="0" smtClean="0"/>
-              <a:t> </a:t>
-            </a:r>
-            <a:r>
-              <a:rPr lang="en-US" b="1" dirty="0" smtClean="0"/>
-              <a:t>Derive wave and </a:t>
-            </a:r>
-            <a:r>
-              <a:rPr lang="en-US" b="1" dirty="0" err="1" smtClean="0"/>
-              <a:t>KdV</a:t>
-            </a:r>
-            <a:r>
-              <a:rPr lang="en-US" b="1" dirty="0" smtClean="0"/>
-              <a:t> equations on a half-line in the velocity potential </a:t>
-            </a:r>
-            <a:r>
-              <a:rPr lang="en-US" dirty="0" smtClean="0"/>
-              <a:t>and provide the necessary conditions for this derivation. </a:t>
-            </a:r>
+          <a:bodyPr wrap="none" rtlCol="0">
+            <a:spAutoFit/>
+          </a:bodyPr>
+          <a:lstStyle/>
+          <a:p>
+            <a:r>
+              <a:rPr lang="en-US" sz="2400" dirty="0"/>
+              <a:t>Observation: equations (3) and (4) are </a:t>
+            </a:r>
+            <a:r>
+              <a:rPr lang="en-US" sz="2400" b="1" dirty="0"/>
+              <a:t>non-linear</a:t>
+            </a:r>
+            <a:r>
+              <a:rPr lang="en-US" sz="2400" dirty="0"/>
+              <a:t> partial differential </a:t>
+            </a:r>
+            <a:r>
+              <a:rPr lang="en-US" sz="2400" dirty="0" smtClean="0"/>
+              <a:t>equations (PDEs):</a:t>
+            </a:r>
+            <a:endParaRPr lang="en-US" sz="2400" dirty="0"/>
+          </a:p>
+          <a:p>
             <a:endParaRPr lang="en-US" dirty="0"/>
           </a:p>
-        </p:txBody>
-      </p:sp>
-      <p:sp>
-        <p:nvSpPr>
-          <p:cNvPr id="4" name="Slide Number Placeholder 3">
-            <a:extLst>
-              <a:ext uri="{FF2B5EF4-FFF2-40B4-BE49-F238E27FC236}">
-                <a16:creationId xmlns:a16="http://schemas.microsoft.com/office/drawing/2014/main" xmlns="" id="{202DAD29-2EF5-43DD-9D0C-CBCC8F564E13}"/>
-              </a:ext>
-            </a:extLst>
-          </p:cNvPr>
-          <p:cNvSpPr>
-            <a:spLocks noGrp="1"/>
-          </p:cNvSpPr>
-          <p:nvPr>
-            <p:ph type="sldNum" sz="quarter" idx="12"/>
-          </p:nvPr>
-        </p:nvSpPr>
-        <p:spPr/>
-        <p:txBody>
-          <a:bodyPr/>
-          <a:lstStyle/>
-          <a:p>
-            <a:fld id="{F3332EFC-B9C2-4EF3-A733-16B7EBFB30C8}" type="slidenum">
-              <a:rPr lang="en-US" smtClean="0"/>
-              <a:t>9</a:t>
-            </a:fld>
-            <a:r>
-              <a:rPr lang="en-US" dirty="0" smtClean="0"/>
-              <a:t>/12</a:t>
-            </a:r>
-            <a:endParaRPr lang="en-US" dirty="0"/>
+          <a:p>
+            <a:endParaRPr lang="en-US" dirty="0" smtClean="0"/>
           </a:p>
         </p:txBody>
       </p:sp>
       <p:pic>
         <p:nvPicPr>
-          <p:cNvPr id="5" name="Picture 4"/>
+          <p:cNvPr id="20" name="Picture 19"/>
           <p:cNvPicPr>
             <a:picLocks noChangeAspect="1"/>
           </p:cNvPicPr>
@@ -8103,13 +9229,265 @@
               </a:ext>
             </a:extLst>
           </a:blip>
-          <a:srcRect l="3599" t="4068" r="11670"/>
+          <a:srcRect t="44383"/>
           <a:stretch/>
         </p:blipFill>
         <p:spPr>
           <a:xfrm>
-            <a:off x="6096000" y="2944418"/>
-            <a:ext cx="5029200" cy="3025700"/>
+            <a:off x="510511" y="1006056"/>
+            <a:ext cx="10976112" cy="986537"/>
+          </a:xfrm>
+          <a:prstGeom prst="rect">
+            <a:avLst/>
+          </a:prstGeom>
+        </p:spPr>
+      </p:pic>
+      <mc:AlternateContent xmlns:mc="http://schemas.openxmlformats.org/markup-compatibility/2006" xmlns:a14="http://schemas.microsoft.com/office/drawing/2010/main">
+        <mc:Choice Requires="a14">
+          <p:sp>
+            <p:nvSpPr>
+              <p:cNvPr id="6" name="TextBox 5"/>
+              <p:cNvSpPr txBox="1"/>
+              <p:nvPr/>
+            </p:nvSpPr>
+            <p:spPr>
+              <a:xfrm>
+                <a:off x="902525" y="2202899"/>
+                <a:ext cx="10451275" cy="3046988"/>
+              </a:xfrm>
+              <a:prstGeom prst="rect">
+                <a:avLst/>
+              </a:prstGeom>
+              <a:noFill/>
+            </p:spPr>
+            <p:txBody>
+              <a:bodyPr wrap="square" rtlCol="0">
+                <a:spAutoFit/>
+              </a:bodyPr>
+              <a:lstStyle/>
+              <a:p>
+                <a:r>
+                  <a:rPr lang="en-US" sz="2400" dirty="0" smtClean="0"/>
+                  <a:t>Instead of solving, we’d like to approximate the solutions </a:t>
+                </a:r>
+                <a14:m>
+                  <m:oMath xmlns:m="http://schemas.openxmlformats.org/officeDocument/2006/math">
+                    <m:r>
+                      <a:rPr lang="en-US" sz="2400" b="0" i="1" smtClean="0">
+                        <a:latin typeface="Cambria Math" charset="0"/>
+                      </a:rPr>
+                      <m:t>𝜂</m:t>
+                    </m:r>
+                    <m:d>
+                      <m:dPr>
+                        <m:ctrlPr>
+                          <a:rPr lang="en-US" sz="2400" b="0" i="1" smtClean="0">
+                            <a:latin typeface="Cambria Math" charset="0"/>
+                          </a:rPr>
+                        </m:ctrlPr>
+                      </m:dPr>
+                      <m:e>
+                        <m:r>
+                          <a:rPr lang="en-US" sz="2400" b="0" i="1" smtClean="0">
+                            <a:latin typeface="Cambria Math" charset="0"/>
+                          </a:rPr>
+                          <m:t>𝑥</m:t>
+                        </m:r>
+                        <m:r>
+                          <a:rPr lang="en-US" sz="2400" b="0" i="1" smtClean="0">
+                            <a:latin typeface="Cambria Math" charset="0"/>
+                          </a:rPr>
+                          <m:t>,</m:t>
+                        </m:r>
+                        <m:r>
+                          <a:rPr lang="en-US" sz="2400" b="0" i="1" smtClean="0">
+                            <a:latin typeface="Cambria Math" charset="0"/>
+                          </a:rPr>
+                          <m:t>𝑡</m:t>
+                        </m:r>
+                      </m:e>
+                    </m:d>
+                  </m:oMath>
+                </a14:m>
+                <a:r>
+                  <a:rPr lang="en-US" sz="2400" dirty="0" smtClean="0"/>
+                  <a:t> and </a:t>
+                </a:r>
+                <a14:m>
+                  <m:oMath xmlns:m="http://schemas.openxmlformats.org/officeDocument/2006/math">
+                    <m:r>
+                      <a:rPr lang="en-US" sz="2400" b="0" i="1" smtClean="0">
+                        <a:latin typeface="Cambria Math" charset="0"/>
+                      </a:rPr>
+                      <m:t>𝜙</m:t>
+                    </m:r>
+                    <m:d>
+                      <m:dPr>
+                        <m:ctrlPr>
+                          <a:rPr lang="en-US" sz="2400" b="0" i="1" smtClean="0">
+                            <a:latin typeface="Cambria Math" charset="0"/>
+                          </a:rPr>
+                        </m:ctrlPr>
+                      </m:dPr>
+                      <m:e>
+                        <m:r>
+                          <a:rPr lang="en-US" sz="2400" b="0" i="1" smtClean="0">
+                            <a:latin typeface="Cambria Math" charset="0"/>
+                          </a:rPr>
+                          <m:t>𝑥</m:t>
+                        </m:r>
+                        <m:r>
+                          <a:rPr lang="en-US" sz="2400" b="0" i="1" smtClean="0">
+                            <a:latin typeface="Cambria Math" charset="0"/>
+                          </a:rPr>
+                          <m:t>,</m:t>
+                        </m:r>
+                        <m:r>
+                          <a:rPr lang="en-US" sz="2400" b="0" i="1" smtClean="0">
+                            <a:latin typeface="Cambria Math" charset="0"/>
+                          </a:rPr>
+                          <m:t>𝑧</m:t>
+                        </m:r>
+                        <m:r>
+                          <a:rPr lang="en-US" sz="2400" b="0" i="1" smtClean="0">
+                            <a:latin typeface="Cambria Math" charset="0"/>
+                          </a:rPr>
+                          <m:t>;</m:t>
+                        </m:r>
+                        <m:r>
+                          <a:rPr lang="en-US" sz="2400" b="0" i="1" smtClean="0">
+                            <a:latin typeface="Cambria Math" charset="0"/>
+                          </a:rPr>
+                          <m:t>𝑡</m:t>
+                        </m:r>
+                      </m:e>
+                    </m:d>
+                  </m:oMath>
+                </a14:m>
+                <a:r>
+                  <a:rPr lang="en-US" sz="2400" dirty="0" smtClean="0"/>
+                  <a:t>. </a:t>
+                </a:r>
+              </a:p>
+              <a:p>
+                <a:r>
+                  <a:rPr lang="en-US" sz="2400" dirty="0" smtClean="0"/>
+                  <a:t>So, in particular, we use</a:t>
+                </a:r>
+              </a:p>
+              <a:p>
+                <a:endParaRPr lang="en-US" sz="2400" dirty="0" smtClean="0"/>
+              </a:p>
+              <a:p>
+                <a:pPr marL="342900" indent="-342900">
+                  <a:buFont typeface="Arial" charset="0"/>
+                  <a:buChar char="•"/>
+                </a:pPr>
+                <a:r>
+                  <a:rPr lang="en-US" sz="2400" dirty="0" smtClean="0"/>
+                  <a:t>separation of variables:</a:t>
+                </a:r>
+              </a:p>
+              <a:p>
+                <a:pPr marL="342900" indent="-342900">
+                  <a:buFont typeface="Arial" charset="0"/>
+                  <a:buChar char="•"/>
+                </a:pPr>
+                <a:endParaRPr lang="en-US" sz="2400" dirty="0" smtClean="0"/>
+              </a:p>
+              <a:p>
+                <a:pPr marL="342900" indent="-342900">
+                  <a:buFont typeface="Arial" charset="0"/>
+                  <a:buChar char="•"/>
+                </a:pPr>
+                <a:r>
+                  <a:rPr lang="en-US" sz="2400" dirty="0" smtClean="0"/>
+                  <a:t>perturbation expansion:</a:t>
+                </a:r>
+                <a:endParaRPr lang="en-US" sz="2400" dirty="0"/>
+              </a:p>
+              <a:p>
+                <a:pPr marL="342900" indent="-342900">
+                  <a:buFont typeface="Arial" charset="0"/>
+                  <a:buChar char="•"/>
+                </a:pPr>
+                <a:endParaRPr lang="en-US" sz="2400" dirty="0" smtClean="0"/>
+              </a:p>
+              <a:p>
+                <a:pPr marL="342900" indent="-342900">
+                  <a:buFont typeface="Arial" charset="0"/>
+                  <a:buChar char="•"/>
+                </a:pPr>
+                <a:r>
+                  <a:rPr lang="en-US" sz="2400" dirty="0" smtClean="0"/>
+                  <a:t>multiple time scales:</a:t>
+                </a:r>
+              </a:p>
+            </p:txBody>
+          </p:sp>
+        </mc:Choice>
+        <mc:Fallback xmlns="">
+          <p:sp>
+            <p:nvSpPr>
+              <p:cNvPr id="6" name="TextBox 5"/>
+              <p:cNvSpPr txBox="1">
+                <a:spLocks noRot="1" noChangeAspect="1" noMove="1" noResize="1" noEditPoints="1" noAdjustHandles="1" noChangeArrowheads="1" noChangeShapeType="1" noTextEdit="1"/>
+              </p:cNvSpPr>
+              <p:nvPr/>
+            </p:nvSpPr>
+            <p:spPr>
+              <a:xfrm>
+                <a:off x="902525" y="2202899"/>
+                <a:ext cx="10451275" cy="3046988"/>
+              </a:xfrm>
+              <a:prstGeom prst="rect">
+                <a:avLst/>
+              </a:prstGeom>
+              <a:blipFill rotWithShape="0">
+                <a:blip r:embed="rId4"/>
+                <a:stretch>
+                  <a:fillRect l="-875" t="-1600" b="-3600"/>
+                </a:stretch>
+              </a:blipFill>
+            </p:spPr>
+            <p:txBody>
+              <a:bodyPr/>
+              <a:lstStyle/>
+              <a:p>
+                <a:r>
+                  <a:rPr lang="en-US">
+                    <a:noFill/>
+                  </a:rPr>
+                  <a:t> </a:t>
+                </a:r>
+              </a:p>
+            </p:txBody>
+          </p:sp>
+        </mc:Fallback>
+      </mc:AlternateContent>
+      <p:pic>
+        <p:nvPicPr>
+          <p:cNvPr id="8" name="Picture 7"/>
+          <p:cNvPicPr>
+            <a:picLocks noChangeAspect="1"/>
+          </p:cNvPicPr>
+          <p:nvPr/>
+        </p:nvPicPr>
+        <p:blipFill rotWithShape="1">
+          <a:blip r:embed="rId5">
+            <a:extLst>
+              <a:ext uri="{28A0092B-C50C-407E-A947-70E740481C1C}">
+                <a14:useLocalDpi xmlns:a14="http://schemas.microsoft.com/office/drawing/2010/main" val="0"/>
+              </a:ext>
+            </a:extLst>
+          </a:blip>
+          <a:srcRect l="15269" t="-546" r="15195" b="51615"/>
+          <a:stretch/>
+        </p:blipFill>
+        <p:spPr>
+          <a:xfrm>
+            <a:off x="6060040" y="3108970"/>
+            <a:ext cx="3509010" cy="845312"/>
           </a:xfrm>
           <a:prstGeom prst="rect">
             <a:avLst/>
@@ -8118,14 +9496,14 @@
       </p:pic>
       <p:pic>
         <p:nvPicPr>
-          <p:cNvPr id="7" name="Picture 6"/>
+          <p:cNvPr id="9" name="Picture 8"/>
           <p:cNvPicPr>
             <a:picLocks noChangeAspect="1"/>
           </p:cNvPicPr>
           <p:nvPr/>
         </p:nvPicPr>
         <p:blipFill>
-          <a:blip r:embed="rId4">
+          <a:blip r:embed="rId6">
             <a:extLst>
               <a:ext uri="{28A0092B-C50C-407E-A947-70E740481C1C}">
                 <a14:useLocalDpi xmlns:a14="http://schemas.microsoft.com/office/drawing/2010/main" val="0"/>
@@ -8138,8 +9516,8 @@
         </p:blipFill>
         <p:spPr>
           <a:xfrm>
-            <a:off x="8357754" y="6038275"/>
-            <a:ext cx="977900" cy="349250"/>
+            <a:off x="5616987" y="4735183"/>
+            <a:ext cx="5736813" cy="531705"/>
           </a:xfrm>
           <a:prstGeom prst="rect">
             <a:avLst/>
@@ -8148,13 +9526,13 @@
       </p:pic>
       <p:pic>
         <p:nvPicPr>
-          <p:cNvPr id="8" name="Picture 7"/>
+          <p:cNvPr id="11" name="Picture 10"/>
           <p:cNvPicPr>
             <a:picLocks noChangeAspect="1"/>
           </p:cNvPicPr>
           <p:nvPr/>
         </p:nvPicPr>
-        <p:blipFill>
+        <p:blipFill rotWithShape="1">
           <a:blip r:embed="rId5">
             <a:extLst>
               <a:ext uri="{28A0092B-C50C-407E-A947-70E740481C1C}">
@@ -8162,14 +9540,13 @@
               </a:ext>
             </a:extLst>
           </a:blip>
-          <a:stretch>
-            <a:fillRect/>
-          </a:stretch>
+          <a:srcRect l="25411" t="49934" r="7999" b="6398"/>
+          <a:stretch/>
         </p:blipFill>
         <p:spPr>
           <a:xfrm>
-            <a:off x="228317" y="3009902"/>
-            <a:ext cx="5867683" cy="1659080"/>
+            <a:off x="6561080" y="3954282"/>
+            <a:ext cx="3360421" cy="754380"/>
           </a:xfrm>
           <a:prstGeom prst="rect">
             <a:avLst/>
@@ -8179,7 +9556,7 @@
     </p:spTree>
     <p:extLst>
       <p:ext uri="{BB962C8B-B14F-4D97-AF65-F5344CB8AC3E}">
-        <p14:creationId xmlns:p14="http://schemas.microsoft.com/office/powerpoint/2010/main" val="1518420878"/>
+        <p14:creationId xmlns:p14="http://schemas.microsoft.com/office/powerpoint/2010/main" val="1136746276"/>
       </p:ext>
     </p:extLst>
   </p:cSld>
